--- a/信息学奥赛/信息学奥赛CSP-JS数据结构与算法/12-图论算法/05-单源最短路径/单源最短路径.pptx
+++ b/信息学奥赛/信息学奥赛CSP-JS数据结构与算法/12-图论算法/05-单源最短路径/单源最短路径.pptx
@@ -11,6 +11,9 @@
     <p:sldId id="259" r:id="rId5"/>
     <p:sldId id="260" r:id="rId6"/>
     <p:sldId id="261" r:id="rId7"/>
+    <p:sldId id="262" r:id="rId8"/>
+    <p:sldId id="263" r:id="rId9"/>
+    <p:sldId id="264" r:id="rId10"/>
   </p:sldIdLst>
   <p:sldSz cx="12192000" cy="6858000"/>
   <p:notesSz cx="6858000" cy="9144000"/>
@@ -124,6 +127,13 @@
             <p14:sldId id="259"/>
             <p14:sldId id="260"/>
             <p14:sldId id="261"/>
+            <p14:sldId id="262"/>
+          </p14:sldIdLst>
+        </p14:section>
+        <p14:section name="Bellman-Ford" id="{04F8983C-2A99-445C-9A2B-347C83A1D03C}">
+          <p14:sldIdLst>
+            <p14:sldId id="263"/>
+            <p14:sldId id="264"/>
           </p14:sldIdLst>
         </p14:section>
       </p14:sectionLst>
@@ -282,7 +292,7 @@
           <a:p>
             <a:fld id="{6DB8FC75-0739-4932-875F-958490033975}" type="datetimeFigureOut">
               <a:rPr lang="zh-CN" altLang="en-US" smtClean="0"/>
-              <a:t>2023/2/8</a:t>
+              <a:t>2023/2/10</a:t>
             </a:fld>
             <a:endParaRPr lang="zh-CN" altLang="en-US"/>
           </a:p>
@@ -480,7 +490,7 @@
           <a:p>
             <a:fld id="{6DB8FC75-0739-4932-875F-958490033975}" type="datetimeFigureOut">
               <a:rPr lang="zh-CN" altLang="en-US" smtClean="0"/>
-              <a:t>2023/2/8</a:t>
+              <a:t>2023/2/10</a:t>
             </a:fld>
             <a:endParaRPr lang="zh-CN" altLang="en-US"/>
           </a:p>
@@ -688,7 +698,7 @@
           <a:p>
             <a:fld id="{6DB8FC75-0739-4932-875F-958490033975}" type="datetimeFigureOut">
               <a:rPr lang="zh-CN" altLang="en-US" smtClean="0"/>
-              <a:t>2023/2/8</a:t>
+              <a:t>2023/2/10</a:t>
             </a:fld>
             <a:endParaRPr lang="zh-CN" altLang="en-US"/>
           </a:p>
@@ -886,7 +896,7 @@
           <a:p>
             <a:fld id="{6DB8FC75-0739-4932-875F-958490033975}" type="datetimeFigureOut">
               <a:rPr lang="zh-CN" altLang="en-US" smtClean="0"/>
-              <a:t>2023/2/8</a:t>
+              <a:t>2023/2/10</a:t>
             </a:fld>
             <a:endParaRPr lang="zh-CN" altLang="en-US"/>
           </a:p>
@@ -1161,7 +1171,7 @@
           <a:p>
             <a:fld id="{6DB8FC75-0739-4932-875F-958490033975}" type="datetimeFigureOut">
               <a:rPr lang="zh-CN" altLang="en-US" smtClean="0"/>
-              <a:t>2023/2/8</a:t>
+              <a:t>2023/2/10</a:t>
             </a:fld>
             <a:endParaRPr lang="zh-CN" altLang="en-US"/>
           </a:p>
@@ -1426,7 +1436,7 @@
           <a:p>
             <a:fld id="{6DB8FC75-0739-4932-875F-958490033975}" type="datetimeFigureOut">
               <a:rPr lang="zh-CN" altLang="en-US" smtClean="0"/>
-              <a:t>2023/2/8</a:t>
+              <a:t>2023/2/10</a:t>
             </a:fld>
             <a:endParaRPr lang="zh-CN" altLang="en-US"/>
           </a:p>
@@ -1838,7 +1848,7 @@
           <a:p>
             <a:fld id="{6DB8FC75-0739-4932-875F-958490033975}" type="datetimeFigureOut">
               <a:rPr lang="zh-CN" altLang="en-US" smtClean="0"/>
-              <a:t>2023/2/8</a:t>
+              <a:t>2023/2/10</a:t>
             </a:fld>
             <a:endParaRPr lang="zh-CN" altLang="en-US"/>
           </a:p>
@@ -2373,7 +2383,7 @@
           </a:ln>
           <a:extLst>
             <a:ext uri="{C572A759-6A51-4108-AA02-DFA0A04FC94B}">
-              <ma14:wrappingTextBoxFlag xmlns:ma14="http://schemas.microsoft.com/office/mac/drawingml/2011/main" xmlns:a14="http://schemas.microsoft.com/office/drawing/2010/main" xmlns:m="http://schemas.openxmlformats.org/officeDocument/2006/math" xmlns="" val="1"/>
+              <ma14:wrappingTextBoxFlag xmlns="" xmlns:m="http://schemas.openxmlformats.org/officeDocument/2006/math" xmlns:a14="http://schemas.microsoft.com/office/drawing/2010/main" xmlns:ma14="http://schemas.microsoft.com/office/mac/drawingml/2011/main" val="1"/>
             </a:ext>
           </a:extLst>
         </p:spPr>
@@ -2563,7 +2573,7 @@
           </a:ln>
           <a:extLst>
             <a:ext uri="{C572A759-6A51-4108-AA02-DFA0A04FC94B}">
-              <ma14:wrappingTextBoxFlag xmlns="" xmlns:m="http://schemas.openxmlformats.org/officeDocument/2006/math" xmlns:a14="http://schemas.microsoft.com/office/drawing/2010/main" xmlns:ma14="http://schemas.microsoft.com/office/mac/drawingml/2011/main" val="1"/>
+              <ma14:wrappingTextBoxFlag xmlns:ma14="http://schemas.microsoft.com/office/mac/drawingml/2011/main" xmlns:a14="http://schemas.microsoft.com/office/drawing/2010/main" xmlns:m="http://schemas.openxmlformats.org/officeDocument/2006/math" xmlns="" val="1"/>
             </a:ext>
           </a:extLst>
         </p:spPr>
@@ -2942,7 +2952,7 @@
           <a:p>
             <a:fld id="{6DB8FC75-0739-4932-875F-958490033975}" type="datetimeFigureOut">
               <a:rPr lang="zh-CN" altLang="en-US" smtClean="0"/>
-              <a:t>2023/2/8</a:t>
+              <a:t>2023/2/10</a:t>
             </a:fld>
             <a:endParaRPr lang="zh-CN" altLang="en-US"/>
           </a:p>
@@ -3230,7 +3240,7 @@
           <a:p>
             <a:fld id="{6DB8FC75-0739-4932-875F-958490033975}" type="datetimeFigureOut">
               <a:rPr lang="zh-CN" altLang="en-US" smtClean="0"/>
-              <a:t>2023/2/8</a:t>
+              <a:t>2023/2/10</a:t>
             </a:fld>
             <a:endParaRPr lang="zh-CN" altLang="en-US"/>
           </a:p>
@@ -3471,7 +3481,7 @@
           <a:p>
             <a:fld id="{6DB8FC75-0739-4932-875F-958490033975}" type="datetimeFigureOut">
               <a:rPr lang="zh-CN" altLang="en-US" smtClean="0"/>
-              <a:t>2023/2/8</a:t>
+              <a:t>2023/2/10</a:t>
             </a:fld>
             <a:endParaRPr lang="zh-CN" altLang="en-US"/>
           </a:p>
@@ -6837,6 +6847,429 @@
                 </a:solidFill>
               </a:rPr>
               <a:t>12</a:t>
+            </a:r>
+            <a:endParaRPr lang="zh-CN" altLang="en-US" sz="2800">
+              <a:solidFill>
+                <a:schemeClr val="tx1"/>
+              </a:solidFill>
+            </a:endParaRPr>
+          </a:p>
+        </p:txBody>
+      </p:sp>
+      <p:sp>
+        <p:nvSpPr>
+          <p:cNvPr id="5" name="椭圆 4">
+            <a:extLst>
+              <a:ext uri="{FF2B5EF4-FFF2-40B4-BE49-F238E27FC236}">
+                <a16:creationId xmlns:a16="http://schemas.microsoft.com/office/drawing/2014/main" id="{2346F2EF-3D4D-7E92-13E9-0337CB7C6161}"/>
+              </a:ext>
+            </a:extLst>
+          </p:cNvPr>
+          <p:cNvSpPr/>
+          <p:nvPr/>
+        </p:nvSpPr>
+        <p:spPr>
+          <a:xfrm>
+            <a:off x="5978234" y="2356881"/>
+            <a:ext cx="810491" cy="817418"/>
+          </a:xfrm>
+          <a:prstGeom prst="ellipse">
+            <a:avLst/>
+          </a:prstGeom>
+          <a:solidFill>
+            <a:schemeClr val="bg1"/>
+          </a:solidFill>
+        </p:spPr>
+        <p:style>
+          <a:lnRef idx="2">
+            <a:schemeClr val="accent1">
+              <a:shade val="50000"/>
+            </a:schemeClr>
+          </a:lnRef>
+          <a:fillRef idx="1">
+            <a:schemeClr val="accent1"/>
+          </a:fillRef>
+          <a:effectRef idx="0">
+            <a:schemeClr val="accent1"/>
+          </a:effectRef>
+          <a:fontRef idx="minor">
+            <a:schemeClr val="lt1"/>
+          </a:fontRef>
+        </p:style>
+        <p:txBody>
+          <a:bodyPr rtlCol="0" anchor="ctr"/>
+          <a:lstStyle/>
+          <a:p>
+            <a:pPr algn="ctr"/>
+            <a:r>
+              <a:rPr lang="en-US" altLang="zh-CN" sz="2800">
+                <a:solidFill>
+                  <a:schemeClr val="tx1"/>
+                </a:solidFill>
+              </a:rPr>
+              <a:t>4</a:t>
+            </a:r>
+            <a:endParaRPr lang="zh-CN" altLang="en-US" sz="2800">
+              <a:solidFill>
+                <a:schemeClr val="tx1"/>
+              </a:solidFill>
+            </a:endParaRPr>
+          </a:p>
+        </p:txBody>
+      </p:sp>
+      <p:sp>
+        <p:nvSpPr>
+          <p:cNvPr id="14" name="椭圆 13">
+            <a:extLst>
+              <a:ext uri="{FF2B5EF4-FFF2-40B4-BE49-F238E27FC236}">
+                <a16:creationId xmlns:a16="http://schemas.microsoft.com/office/drawing/2014/main" id="{FEB878CE-A5CE-8C01-EA58-30CF721D6D6C}"/>
+              </a:ext>
+            </a:extLst>
+          </p:cNvPr>
+          <p:cNvSpPr/>
+          <p:nvPr/>
+        </p:nvSpPr>
+        <p:spPr>
+          <a:xfrm>
+            <a:off x="3331168" y="4634345"/>
+            <a:ext cx="810491" cy="817418"/>
+          </a:xfrm>
+          <a:prstGeom prst="ellipse">
+            <a:avLst/>
+          </a:prstGeom>
+          <a:solidFill>
+            <a:schemeClr val="bg1"/>
+          </a:solidFill>
+        </p:spPr>
+        <p:style>
+          <a:lnRef idx="2">
+            <a:schemeClr val="accent1">
+              <a:shade val="50000"/>
+            </a:schemeClr>
+          </a:lnRef>
+          <a:fillRef idx="1">
+            <a:schemeClr val="accent1"/>
+          </a:fillRef>
+          <a:effectRef idx="0">
+            <a:schemeClr val="accent1"/>
+          </a:effectRef>
+          <a:fontRef idx="minor">
+            <a:schemeClr val="lt1"/>
+          </a:fontRef>
+        </p:style>
+        <p:txBody>
+          <a:bodyPr rtlCol="0" anchor="ctr"/>
+          <a:lstStyle/>
+          <a:p>
+            <a:pPr algn="ctr"/>
+            <a:r>
+              <a:rPr lang="en-US" altLang="zh-CN" sz="2800">
+                <a:solidFill>
+                  <a:schemeClr val="tx1"/>
+                </a:solidFill>
+              </a:rPr>
+              <a:t>10</a:t>
+            </a:r>
+            <a:endParaRPr lang="zh-CN" altLang="en-US" sz="2800">
+              <a:solidFill>
+                <a:schemeClr val="tx1"/>
+              </a:solidFill>
+            </a:endParaRPr>
+          </a:p>
+        </p:txBody>
+      </p:sp>
+      <p:sp>
+        <p:nvSpPr>
+          <p:cNvPr id="16" name="椭圆 15">
+            <a:extLst>
+              <a:ext uri="{FF2B5EF4-FFF2-40B4-BE49-F238E27FC236}">
+                <a16:creationId xmlns:a16="http://schemas.microsoft.com/office/drawing/2014/main" id="{7AE9665A-9F12-4F05-B9A3-3DDF883359C8}"/>
+              </a:ext>
+            </a:extLst>
+          </p:cNvPr>
+          <p:cNvSpPr/>
+          <p:nvPr/>
+        </p:nvSpPr>
+        <p:spPr>
+          <a:xfrm>
+            <a:off x="5971308" y="2351850"/>
+            <a:ext cx="810491" cy="817418"/>
+          </a:xfrm>
+          <a:prstGeom prst="ellipse">
+            <a:avLst/>
+          </a:prstGeom>
+          <a:solidFill>
+            <a:schemeClr val="bg1"/>
+          </a:solidFill>
+        </p:spPr>
+        <p:style>
+          <a:lnRef idx="2">
+            <a:schemeClr val="accent1">
+              <a:shade val="50000"/>
+            </a:schemeClr>
+          </a:lnRef>
+          <a:fillRef idx="1">
+            <a:schemeClr val="accent1"/>
+          </a:fillRef>
+          <a:effectRef idx="0">
+            <a:schemeClr val="accent1"/>
+          </a:effectRef>
+          <a:fontRef idx="minor">
+            <a:schemeClr val="lt1"/>
+          </a:fontRef>
+        </p:style>
+        <p:txBody>
+          <a:bodyPr rtlCol="0" anchor="ctr"/>
+          <a:lstStyle/>
+          <a:p>
+            <a:pPr algn="ctr"/>
+            <a:r>
+              <a:rPr lang="en-US" altLang="zh-CN" sz="2800">
+                <a:solidFill>
+                  <a:schemeClr val="tx1"/>
+                </a:solidFill>
+              </a:rPr>
+              <a:t>4</a:t>
+            </a:r>
+            <a:endParaRPr lang="zh-CN" altLang="en-US" sz="2800">
+              <a:solidFill>
+                <a:schemeClr val="tx1"/>
+              </a:solidFill>
+            </a:endParaRPr>
+          </a:p>
+        </p:txBody>
+      </p:sp>
+      <p:sp>
+        <p:nvSpPr>
+          <p:cNvPr id="17" name="椭圆 16">
+            <a:extLst>
+              <a:ext uri="{FF2B5EF4-FFF2-40B4-BE49-F238E27FC236}">
+                <a16:creationId xmlns:a16="http://schemas.microsoft.com/office/drawing/2014/main" id="{72B83BAA-F3E2-AD1E-8754-9D9988813A74}"/>
+              </a:ext>
+            </a:extLst>
+          </p:cNvPr>
+          <p:cNvSpPr/>
+          <p:nvPr/>
+        </p:nvSpPr>
+        <p:spPr>
+          <a:xfrm>
+            <a:off x="3335323" y="4620489"/>
+            <a:ext cx="810491" cy="817418"/>
+          </a:xfrm>
+          <a:prstGeom prst="ellipse">
+            <a:avLst/>
+          </a:prstGeom>
+          <a:solidFill>
+            <a:schemeClr val="bg1"/>
+          </a:solidFill>
+        </p:spPr>
+        <p:style>
+          <a:lnRef idx="2">
+            <a:schemeClr val="accent1">
+              <a:shade val="50000"/>
+            </a:schemeClr>
+          </a:lnRef>
+          <a:fillRef idx="1">
+            <a:schemeClr val="accent1"/>
+          </a:fillRef>
+          <a:effectRef idx="0">
+            <a:schemeClr val="accent1"/>
+          </a:effectRef>
+          <a:fontRef idx="minor">
+            <a:schemeClr val="lt1"/>
+          </a:fontRef>
+        </p:style>
+        <p:txBody>
+          <a:bodyPr rtlCol="0" anchor="ctr"/>
+          <a:lstStyle/>
+          <a:p>
+            <a:pPr algn="ctr"/>
+            <a:r>
+              <a:rPr lang="en-US" altLang="zh-CN" sz="2800">
+                <a:solidFill>
+                  <a:schemeClr val="tx1"/>
+                </a:solidFill>
+              </a:rPr>
+              <a:t>8</a:t>
+            </a:r>
+            <a:endParaRPr lang="zh-CN" altLang="en-US"/>
+          </a:p>
+        </p:txBody>
+      </p:sp>
+      <p:sp>
+        <p:nvSpPr>
+          <p:cNvPr id="18" name="椭圆 17">
+            <a:extLst>
+              <a:ext uri="{FF2B5EF4-FFF2-40B4-BE49-F238E27FC236}">
+                <a16:creationId xmlns:a16="http://schemas.microsoft.com/office/drawing/2014/main" id="{F6F8A508-858F-44C9-9D38-D568D278936F}"/>
+              </a:ext>
+            </a:extLst>
+          </p:cNvPr>
+          <p:cNvSpPr/>
+          <p:nvPr/>
+        </p:nvSpPr>
+        <p:spPr>
+          <a:xfrm>
+            <a:off x="5967918" y="4634345"/>
+            <a:ext cx="810491" cy="817418"/>
+          </a:xfrm>
+          <a:prstGeom prst="ellipse">
+            <a:avLst/>
+          </a:prstGeom>
+          <a:solidFill>
+            <a:schemeClr val="bg1"/>
+          </a:solidFill>
+        </p:spPr>
+        <p:style>
+          <a:lnRef idx="2">
+            <a:schemeClr val="accent1">
+              <a:shade val="50000"/>
+            </a:schemeClr>
+          </a:lnRef>
+          <a:fillRef idx="1">
+            <a:schemeClr val="accent1"/>
+          </a:fillRef>
+          <a:effectRef idx="0">
+            <a:schemeClr val="accent1"/>
+          </a:effectRef>
+          <a:fontRef idx="minor">
+            <a:schemeClr val="lt1"/>
+          </a:fontRef>
+        </p:style>
+        <p:txBody>
+          <a:bodyPr rtlCol="0" anchor="ctr"/>
+          <a:lstStyle/>
+          <a:p>
+            <a:pPr algn="ctr"/>
+            <a:r>
+              <a:rPr lang="en-US" altLang="zh-CN" sz="2800">
+                <a:solidFill>
+                  <a:schemeClr val="tx1"/>
+                </a:solidFill>
+              </a:rPr>
+              <a:t>17</a:t>
+            </a:r>
+            <a:endParaRPr lang="zh-CN" altLang="en-US" sz="2800">
+              <a:solidFill>
+                <a:schemeClr val="tx1"/>
+              </a:solidFill>
+            </a:endParaRPr>
+          </a:p>
+        </p:txBody>
+      </p:sp>
+      <p:sp>
+        <p:nvSpPr>
+          <p:cNvPr id="20" name="椭圆 19">
+            <a:extLst>
+              <a:ext uri="{FF2B5EF4-FFF2-40B4-BE49-F238E27FC236}">
+                <a16:creationId xmlns:a16="http://schemas.microsoft.com/office/drawing/2014/main" id="{7DE22107-476F-2FE1-0C88-B72E0355A8FE}"/>
+              </a:ext>
+            </a:extLst>
+          </p:cNvPr>
+          <p:cNvSpPr/>
+          <p:nvPr/>
+        </p:nvSpPr>
+        <p:spPr>
+          <a:xfrm>
+            <a:off x="3332712" y="4620488"/>
+            <a:ext cx="810491" cy="817418"/>
+          </a:xfrm>
+          <a:prstGeom prst="ellipse">
+            <a:avLst/>
+          </a:prstGeom>
+          <a:solidFill>
+            <a:schemeClr val="bg1"/>
+          </a:solidFill>
+        </p:spPr>
+        <p:style>
+          <a:lnRef idx="2">
+            <a:schemeClr val="accent1">
+              <a:shade val="50000"/>
+            </a:schemeClr>
+          </a:lnRef>
+          <a:fillRef idx="1">
+            <a:schemeClr val="accent1"/>
+          </a:fillRef>
+          <a:effectRef idx="0">
+            <a:schemeClr val="accent1"/>
+          </a:effectRef>
+          <a:fontRef idx="minor">
+            <a:schemeClr val="lt1"/>
+          </a:fontRef>
+        </p:style>
+        <p:txBody>
+          <a:bodyPr rtlCol="0" anchor="ctr"/>
+          <a:lstStyle/>
+          <a:p>
+            <a:pPr algn="ctr"/>
+            <a:r>
+              <a:rPr lang="en-US" altLang="zh-CN" sz="2800">
+                <a:solidFill>
+                  <a:schemeClr val="tx1"/>
+                </a:solidFill>
+              </a:rPr>
+              <a:t>8</a:t>
+            </a:r>
+            <a:endParaRPr lang="zh-CN" altLang="en-US" sz="2800">
+              <a:solidFill>
+                <a:schemeClr val="tx1"/>
+              </a:solidFill>
+            </a:endParaRPr>
+          </a:p>
+        </p:txBody>
+      </p:sp>
+      <p:sp>
+        <p:nvSpPr>
+          <p:cNvPr id="21" name="椭圆 20">
+            <a:extLst>
+              <a:ext uri="{FF2B5EF4-FFF2-40B4-BE49-F238E27FC236}">
+                <a16:creationId xmlns:a16="http://schemas.microsoft.com/office/drawing/2014/main" id="{F523FB02-4CE3-58F0-8D10-D1151A880306}"/>
+              </a:ext>
+            </a:extLst>
+          </p:cNvPr>
+          <p:cNvSpPr/>
+          <p:nvPr/>
+        </p:nvSpPr>
+        <p:spPr>
+          <a:xfrm>
+            <a:off x="5967075" y="4629314"/>
+            <a:ext cx="810491" cy="817418"/>
+          </a:xfrm>
+          <a:prstGeom prst="ellipse">
+            <a:avLst/>
+          </a:prstGeom>
+          <a:solidFill>
+            <a:schemeClr val="bg1"/>
+          </a:solidFill>
+        </p:spPr>
+        <p:style>
+          <a:lnRef idx="2">
+            <a:schemeClr val="accent1">
+              <a:shade val="50000"/>
+            </a:schemeClr>
+          </a:lnRef>
+          <a:fillRef idx="1">
+            <a:schemeClr val="accent1"/>
+          </a:fillRef>
+          <a:effectRef idx="0">
+            <a:schemeClr val="accent1"/>
+          </a:effectRef>
+          <a:fontRef idx="minor">
+            <a:schemeClr val="lt1"/>
+          </a:fontRef>
+        </p:style>
+        <p:txBody>
+          <a:bodyPr rtlCol="0" anchor="ctr"/>
+          <a:lstStyle/>
+          <a:p>
+            <a:pPr algn="ctr"/>
+            <a:r>
+              <a:rPr lang="en-US" altLang="zh-CN" sz="2800">
+                <a:solidFill>
+                  <a:schemeClr val="tx1"/>
+                </a:solidFill>
+              </a:rPr>
+              <a:t>13</a:t>
             </a:r>
             <a:endParaRPr lang="zh-CN" altLang="en-US" sz="2800">
               <a:solidFill>
@@ -7549,6 +7982,838 @@
                       </p:childTnLst>
                     </p:cTn>
                   </p:par>
+                  <p:par>
+                    <p:cTn id="41" fill="hold">
+                      <p:stCondLst>
+                        <p:cond delay="indefinite"/>
+                      </p:stCondLst>
+                      <p:childTnLst>
+                        <p:par>
+                          <p:cTn id="42" fill="hold">
+                            <p:stCondLst>
+                              <p:cond delay="0"/>
+                            </p:stCondLst>
+                            <p:childTnLst>
+                              <p:par>
+                                <p:cTn id="43" presetID="1" presetClass="entr" presetSubtype="0" fill="hold" grpId="0" nodeType="clickEffect">
+                                  <p:stCondLst>
+                                    <p:cond delay="0"/>
+                                  </p:stCondLst>
+                                  <p:childTnLst>
+                                    <p:set>
+                                      <p:cBhvr>
+                                        <p:cTn id="44" dur="1" fill="hold">
+                                          <p:stCondLst>
+                                            <p:cond delay="0"/>
+                                          </p:stCondLst>
+                                        </p:cTn>
+                                        <p:tgtEl>
+                                          <p:spTgt spid="5"/>
+                                        </p:tgtEl>
+                                        <p:attrNameLst>
+                                          <p:attrName>style.visibility</p:attrName>
+                                        </p:attrNameLst>
+                                      </p:cBhvr>
+                                      <p:to>
+                                        <p:strVal val="visible"/>
+                                      </p:to>
+                                    </p:set>
+                                  </p:childTnLst>
+                                </p:cTn>
+                              </p:par>
+                              <p:par>
+                                <p:cTn id="45" presetID="1" presetClass="entr" presetSubtype="0" fill="hold" grpId="0" nodeType="withEffect">
+                                  <p:stCondLst>
+                                    <p:cond delay="0"/>
+                                  </p:stCondLst>
+                                  <p:childTnLst>
+                                    <p:set>
+                                      <p:cBhvr>
+                                        <p:cTn id="46" dur="1" fill="hold">
+                                          <p:stCondLst>
+                                            <p:cond delay="0"/>
+                                          </p:stCondLst>
+                                        </p:cTn>
+                                        <p:tgtEl>
+                                          <p:spTgt spid="14"/>
+                                        </p:tgtEl>
+                                        <p:attrNameLst>
+                                          <p:attrName>style.visibility</p:attrName>
+                                        </p:attrNameLst>
+                                      </p:cBhvr>
+                                      <p:to>
+                                        <p:strVal val="visible"/>
+                                      </p:to>
+                                    </p:set>
+                                  </p:childTnLst>
+                                </p:cTn>
+                              </p:par>
+                            </p:childTnLst>
+                          </p:cTn>
+                        </p:par>
+                      </p:childTnLst>
+                    </p:cTn>
+                  </p:par>
+                  <p:par>
+                    <p:cTn id="47" fill="hold">
+                      <p:stCondLst>
+                        <p:cond delay="indefinite"/>
+                      </p:stCondLst>
+                      <p:childTnLst>
+                        <p:par>
+                          <p:cTn id="48" fill="hold">
+                            <p:stCondLst>
+                              <p:cond delay="0"/>
+                            </p:stCondLst>
+                            <p:childTnLst>
+                              <p:par>
+                                <p:cTn id="49" presetID="2" presetClass="entr" presetSubtype="8" fill="hold" nodeType="clickEffect">
+                                  <p:stCondLst>
+                                    <p:cond delay="0"/>
+                                  </p:stCondLst>
+                                  <p:childTnLst>
+                                    <p:set>
+                                      <p:cBhvr>
+                                        <p:cTn id="50" dur="1" fill="hold">
+                                          <p:stCondLst>
+                                            <p:cond delay="0"/>
+                                          </p:stCondLst>
+                                        </p:cTn>
+                                        <p:tgtEl>
+                                          <p:spTgt spid="5">
+                                            <p:txEl>
+                                              <p:pRg st="0" end="0"/>
+                                            </p:txEl>
+                                          </p:spTgt>
+                                        </p:tgtEl>
+                                        <p:attrNameLst>
+                                          <p:attrName>style.visibility</p:attrName>
+                                        </p:attrNameLst>
+                                      </p:cBhvr>
+                                      <p:to>
+                                        <p:strVal val="visible"/>
+                                      </p:to>
+                                    </p:set>
+                                    <p:anim calcmode="lin" valueType="num">
+                                      <p:cBhvr additive="base">
+                                        <p:cTn id="51" dur="500" fill="hold"/>
+                                        <p:tgtEl>
+                                          <p:spTgt spid="5">
+                                            <p:txEl>
+                                              <p:pRg st="0" end="0"/>
+                                            </p:txEl>
+                                          </p:spTgt>
+                                        </p:tgtEl>
+                                        <p:attrNameLst>
+                                          <p:attrName>ppt_x</p:attrName>
+                                        </p:attrNameLst>
+                                      </p:cBhvr>
+                                      <p:tavLst>
+                                        <p:tav tm="0">
+                                          <p:val>
+                                            <p:strVal val="0-#ppt_w/2"/>
+                                          </p:val>
+                                        </p:tav>
+                                        <p:tav tm="100000">
+                                          <p:val>
+                                            <p:strVal val="#ppt_x"/>
+                                          </p:val>
+                                        </p:tav>
+                                      </p:tavLst>
+                                    </p:anim>
+                                    <p:anim calcmode="lin" valueType="num">
+                                      <p:cBhvr additive="base">
+                                        <p:cTn id="52" dur="500" fill="hold"/>
+                                        <p:tgtEl>
+                                          <p:spTgt spid="5">
+                                            <p:txEl>
+                                              <p:pRg st="0" end="0"/>
+                                            </p:txEl>
+                                          </p:spTgt>
+                                        </p:tgtEl>
+                                        <p:attrNameLst>
+                                          <p:attrName>ppt_y</p:attrName>
+                                        </p:attrNameLst>
+                                      </p:cBhvr>
+                                      <p:tavLst>
+                                        <p:tav tm="0">
+                                          <p:val>
+                                            <p:strVal val="#ppt_y"/>
+                                          </p:val>
+                                        </p:tav>
+                                        <p:tav tm="100000">
+                                          <p:val>
+                                            <p:strVal val="#ppt_y"/>
+                                          </p:val>
+                                        </p:tav>
+                                      </p:tavLst>
+                                    </p:anim>
+                                  </p:childTnLst>
+                                </p:cTn>
+                              </p:par>
+                              <p:par>
+                                <p:cTn id="53" presetID="2" presetClass="entr" presetSubtype="8" fill="hold" nodeType="withEffect">
+                                  <p:stCondLst>
+                                    <p:cond delay="0"/>
+                                  </p:stCondLst>
+                                  <p:childTnLst>
+                                    <p:set>
+                                      <p:cBhvr>
+                                        <p:cTn id="54" dur="1" fill="hold">
+                                          <p:stCondLst>
+                                            <p:cond delay="0"/>
+                                          </p:stCondLst>
+                                        </p:cTn>
+                                        <p:tgtEl>
+                                          <p:spTgt spid="14">
+                                            <p:txEl>
+                                              <p:pRg st="0" end="0"/>
+                                            </p:txEl>
+                                          </p:spTgt>
+                                        </p:tgtEl>
+                                        <p:attrNameLst>
+                                          <p:attrName>style.visibility</p:attrName>
+                                        </p:attrNameLst>
+                                      </p:cBhvr>
+                                      <p:to>
+                                        <p:strVal val="visible"/>
+                                      </p:to>
+                                    </p:set>
+                                    <p:anim calcmode="lin" valueType="num">
+                                      <p:cBhvr additive="base">
+                                        <p:cTn id="55" dur="500" fill="hold"/>
+                                        <p:tgtEl>
+                                          <p:spTgt spid="14">
+                                            <p:txEl>
+                                              <p:pRg st="0" end="0"/>
+                                            </p:txEl>
+                                          </p:spTgt>
+                                        </p:tgtEl>
+                                        <p:attrNameLst>
+                                          <p:attrName>ppt_x</p:attrName>
+                                        </p:attrNameLst>
+                                      </p:cBhvr>
+                                      <p:tavLst>
+                                        <p:tav tm="0">
+                                          <p:val>
+                                            <p:strVal val="0-#ppt_w/2"/>
+                                          </p:val>
+                                        </p:tav>
+                                        <p:tav tm="100000">
+                                          <p:val>
+                                            <p:strVal val="#ppt_x"/>
+                                          </p:val>
+                                        </p:tav>
+                                      </p:tavLst>
+                                    </p:anim>
+                                    <p:anim calcmode="lin" valueType="num">
+                                      <p:cBhvr additive="base">
+                                        <p:cTn id="56" dur="500" fill="hold"/>
+                                        <p:tgtEl>
+                                          <p:spTgt spid="14">
+                                            <p:txEl>
+                                              <p:pRg st="0" end="0"/>
+                                            </p:txEl>
+                                          </p:spTgt>
+                                        </p:tgtEl>
+                                        <p:attrNameLst>
+                                          <p:attrName>ppt_y</p:attrName>
+                                        </p:attrNameLst>
+                                      </p:cBhvr>
+                                      <p:tavLst>
+                                        <p:tav tm="0">
+                                          <p:val>
+                                            <p:strVal val="#ppt_y"/>
+                                          </p:val>
+                                        </p:tav>
+                                        <p:tav tm="100000">
+                                          <p:val>
+                                            <p:strVal val="#ppt_y"/>
+                                          </p:val>
+                                        </p:tav>
+                                      </p:tavLst>
+                                    </p:anim>
+                                  </p:childTnLst>
+                                </p:cTn>
+                              </p:par>
+                            </p:childTnLst>
+                          </p:cTn>
+                        </p:par>
+                      </p:childTnLst>
+                    </p:cTn>
+                  </p:par>
+                  <p:par>
+                    <p:cTn id="57" fill="hold">
+                      <p:stCondLst>
+                        <p:cond delay="indefinite"/>
+                      </p:stCondLst>
+                      <p:childTnLst>
+                        <p:par>
+                          <p:cTn id="58" fill="hold">
+                            <p:stCondLst>
+                              <p:cond delay="0"/>
+                            </p:stCondLst>
+                            <p:childTnLst>
+                              <p:par>
+                                <p:cTn id="59" presetID="1" presetClass="entr" presetSubtype="0" fill="hold" grpId="0" nodeType="clickEffect">
+                                  <p:stCondLst>
+                                    <p:cond delay="0"/>
+                                  </p:stCondLst>
+                                  <p:childTnLst>
+                                    <p:set>
+                                      <p:cBhvr>
+                                        <p:cTn id="60" dur="1" fill="hold">
+                                          <p:stCondLst>
+                                            <p:cond delay="0"/>
+                                          </p:stCondLst>
+                                        </p:cTn>
+                                        <p:tgtEl>
+                                          <p:spTgt spid="16"/>
+                                        </p:tgtEl>
+                                        <p:attrNameLst>
+                                          <p:attrName>style.visibility</p:attrName>
+                                        </p:attrNameLst>
+                                      </p:cBhvr>
+                                      <p:to>
+                                        <p:strVal val="visible"/>
+                                      </p:to>
+                                    </p:set>
+                                  </p:childTnLst>
+                                  <p:subTnLst>
+                                    <p:animClr clrSpc="rgb" dir="cw">
+                                      <p:cBhvr override="childStyle">
+                                        <p:cTn dur="1" fill="hold" display="0" masterRel="nextClick" afterEffect="1"/>
+                                        <p:tgtEl>
+                                          <p:spTgt spid="16"/>
+                                        </p:tgtEl>
+                                        <p:attrNameLst>
+                                          <p:attrName>ppt_c</p:attrName>
+                                        </p:attrNameLst>
+                                      </p:cBhvr>
+                                      <p:to>
+                                        <a:schemeClr val="accent1"/>
+                                      </p:to>
+                                    </p:animClr>
+                                  </p:subTnLst>
+                                </p:cTn>
+                              </p:par>
+                              <p:par>
+                                <p:cTn id="61" presetID="1" presetClass="entr" presetSubtype="0" fill="hold" nodeType="withEffect">
+                                  <p:stCondLst>
+                                    <p:cond delay="0"/>
+                                  </p:stCondLst>
+                                  <p:childTnLst>
+                                    <p:set>
+                                      <p:cBhvr>
+                                        <p:cTn id="62" dur="1" fill="hold">
+                                          <p:stCondLst>
+                                            <p:cond delay="0"/>
+                                          </p:stCondLst>
+                                        </p:cTn>
+                                        <p:tgtEl>
+                                          <p:spTgt spid="16">
+                                            <p:txEl>
+                                              <p:pRg st="0" end="0"/>
+                                            </p:txEl>
+                                          </p:spTgt>
+                                        </p:tgtEl>
+                                        <p:attrNameLst>
+                                          <p:attrName>style.visibility</p:attrName>
+                                        </p:attrNameLst>
+                                      </p:cBhvr>
+                                      <p:to>
+                                        <p:strVal val="visible"/>
+                                      </p:to>
+                                    </p:set>
+                                  </p:childTnLst>
+                                </p:cTn>
+                              </p:par>
+                            </p:childTnLst>
+                          </p:cTn>
+                        </p:par>
+                      </p:childTnLst>
+                    </p:cTn>
+                  </p:par>
+                  <p:par>
+                    <p:cTn id="63" fill="hold">
+                      <p:stCondLst>
+                        <p:cond delay="indefinite"/>
+                      </p:stCondLst>
+                      <p:childTnLst>
+                        <p:par>
+                          <p:cTn id="64" fill="hold">
+                            <p:stCondLst>
+                              <p:cond delay="0"/>
+                            </p:stCondLst>
+                            <p:childTnLst>
+                              <p:par>
+                                <p:cTn id="65" presetID="1" presetClass="entr" presetSubtype="0" fill="hold" grpId="0" nodeType="clickEffect">
+                                  <p:stCondLst>
+                                    <p:cond delay="0"/>
+                                  </p:stCondLst>
+                                  <p:childTnLst>
+                                    <p:set>
+                                      <p:cBhvr>
+                                        <p:cTn id="66" dur="1" fill="hold">
+                                          <p:stCondLst>
+                                            <p:cond delay="0"/>
+                                          </p:stCondLst>
+                                        </p:cTn>
+                                        <p:tgtEl>
+                                          <p:spTgt spid="17"/>
+                                        </p:tgtEl>
+                                        <p:attrNameLst>
+                                          <p:attrName>style.visibility</p:attrName>
+                                        </p:attrNameLst>
+                                      </p:cBhvr>
+                                      <p:to>
+                                        <p:strVal val="visible"/>
+                                      </p:to>
+                                    </p:set>
+                                  </p:childTnLst>
+                                </p:cTn>
+                              </p:par>
+                              <p:par>
+                                <p:cTn id="67" presetID="1" presetClass="entr" presetSubtype="0" fill="hold" grpId="0" nodeType="withEffect">
+                                  <p:stCondLst>
+                                    <p:cond delay="0"/>
+                                  </p:stCondLst>
+                                  <p:childTnLst>
+                                    <p:set>
+                                      <p:cBhvr>
+                                        <p:cTn id="68" dur="1" fill="hold">
+                                          <p:stCondLst>
+                                            <p:cond delay="0"/>
+                                          </p:stCondLst>
+                                        </p:cTn>
+                                        <p:tgtEl>
+                                          <p:spTgt spid="18"/>
+                                        </p:tgtEl>
+                                        <p:attrNameLst>
+                                          <p:attrName>style.visibility</p:attrName>
+                                        </p:attrNameLst>
+                                      </p:cBhvr>
+                                      <p:to>
+                                        <p:strVal val="visible"/>
+                                      </p:to>
+                                    </p:set>
+                                  </p:childTnLst>
+                                </p:cTn>
+                              </p:par>
+                            </p:childTnLst>
+                          </p:cTn>
+                        </p:par>
+                      </p:childTnLst>
+                    </p:cTn>
+                  </p:par>
+                  <p:par>
+                    <p:cTn id="69" fill="hold">
+                      <p:stCondLst>
+                        <p:cond delay="indefinite"/>
+                      </p:stCondLst>
+                      <p:childTnLst>
+                        <p:par>
+                          <p:cTn id="70" fill="hold">
+                            <p:stCondLst>
+                              <p:cond delay="0"/>
+                            </p:stCondLst>
+                            <p:childTnLst>
+                              <p:par>
+                                <p:cTn id="71" presetID="2" presetClass="entr" presetSubtype="8" fill="hold" nodeType="clickEffect">
+                                  <p:stCondLst>
+                                    <p:cond delay="0"/>
+                                  </p:stCondLst>
+                                  <p:childTnLst>
+                                    <p:set>
+                                      <p:cBhvr>
+                                        <p:cTn id="72" dur="1" fill="hold">
+                                          <p:stCondLst>
+                                            <p:cond delay="0"/>
+                                          </p:stCondLst>
+                                        </p:cTn>
+                                        <p:tgtEl>
+                                          <p:spTgt spid="17">
+                                            <p:txEl>
+                                              <p:pRg st="0" end="0"/>
+                                            </p:txEl>
+                                          </p:spTgt>
+                                        </p:tgtEl>
+                                        <p:attrNameLst>
+                                          <p:attrName>style.visibility</p:attrName>
+                                        </p:attrNameLst>
+                                      </p:cBhvr>
+                                      <p:to>
+                                        <p:strVal val="visible"/>
+                                      </p:to>
+                                    </p:set>
+                                    <p:anim calcmode="lin" valueType="num">
+                                      <p:cBhvr additive="base">
+                                        <p:cTn id="73" dur="500" fill="hold"/>
+                                        <p:tgtEl>
+                                          <p:spTgt spid="17">
+                                            <p:txEl>
+                                              <p:pRg st="0" end="0"/>
+                                            </p:txEl>
+                                          </p:spTgt>
+                                        </p:tgtEl>
+                                        <p:attrNameLst>
+                                          <p:attrName>ppt_x</p:attrName>
+                                        </p:attrNameLst>
+                                      </p:cBhvr>
+                                      <p:tavLst>
+                                        <p:tav tm="0">
+                                          <p:val>
+                                            <p:strVal val="0-#ppt_w/2"/>
+                                          </p:val>
+                                        </p:tav>
+                                        <p:tav tm="100000">
+                                          <p:val>
+                                            <p:strVal val="#ppt_x"/>
+                                          </p:val>
+                                        </p:tav>
+                                      </p:tavLst>
+                                    </p:anim>
+                                    <p:anim calcmode="lin" valueType="num">
+                                      <p:cBhvr additive="base">
+                                        <p:cTn id="74" dur="500" fill="hold"/>
+                                        <p:tgtEl>
+                                          <p:spTgt spid="17">
+                                            <p:txEl>
+                                              <p:pRg st="0" end="0"/>
+                                            </p:txEl>
+                                          </p:spTgt>
+                                        </p:tgtEl>
+                                        <p:attrNameLst>
+                                          <p:attrName>ppt_y</p:attrName>
+                                        </p:attrNameLst>
+                                      </p:cBhvr>
+                                      <p:tavLst>
+                                        <p:tav tm="0">
+                                          <p:val>
+                                            <p:strVal val="#ppt_y"/>
+                                          </p:val>
+                                        </p:tav>
+                                        <p:tav tm="100000">
+                                          <p:val>
+                                            <p:strVal val="#ppt_y"/>
+                                          </p:val>
+                                        </p:tav>
+                                      </p:tavLst>
+                                    </p:anim>
+                                  </p:childTnLst>
+                                </p:cTn>
+                              </p:par>
+                              <p:par>
+                                <p:cTn id="75" presetID="2" presetClass="entr" presetSubtype="8" fill="hold" nodeType="withEffect">
+                                  <p:stCondLst>
+                                    <p:cond delay="0"/>
+                                  </p:stCondLst>
+                                  <p:childTnLst>
+                                    <p:set>
+                                      <p:cBhvr>
+                                        <p:cTn id="76" dur="1" fill="hold">
+                                          <p:stCondLst>
+                                            <p:cond delay="0"/>
+                                          </p:stCondLst>
+                                        </p:cTn>
+                                        <p:tgtEl>
+                                          <p:spTgt spid="18">
+                                            <p:txEl>
+                                              <p:pRg st="0" end="0"/>
+                                            </p:txEl>
+                                          </p:spTgt>
+                                        </p:tgtEl>
+                                        <p:attrNameLst>
+                                          <p:attrName>style.visibility</p:attrName>
+                                        </p:attrNameLst>
+                                      </p:cBhvr>
+                                      <p:to>
+                                        <p:strVal val="visible"/>
+                                      </p:to>
+                                    </p:set>
+                                    <p:anim calcmode="lin" valueType="num">
+                                      <p:cBhvr additive="base">
+                                        <p:cTn id="77" dur="500" fill="hold"/>
+                                        <p:tgtEl>
+                                          <p:spTgt spid="18">
+                                            <p:txEl>
+                                              <p:pRg st="0" end="0"/>
+                                            </p:txEl>
+                                          </p:spTgt>
+                                        </p:tgtEl>
+                                        <p:attrNameLst>
+                                          <p:attrName>ppt_x</p:attrName>
+                                        </p:attrNameLst>
+                                      </p:cBhvr>
+                                      <p:tavLst>
+                                        <p:tav tm="0">
+                                          <p:val>
+                                            <p:strVal val="0-#ppt_w/2"/>
+                                          </p:val>
+                                        </p:tav>
+                                        <p:tav tm="100000">
+                                          <p:val>
+                                            <p:strVal val="#ppt_x"/>
+                                          </p:val>
+                                        </p:tav>
+                                      </p:tavLst>
+                                    </p:anim>
+                                    <p:anim calcmode="lin" valueType="num">
+                                      <p:cBhvr additive="base">
+                                        <p:cTn id="78" dur="500" fill="hold"/>
+                                        <p:tgtEl>
+                                          <p:spTgt spid="18">
+                                            <p:txEl>
+                                              <p:pRg st="0" end="0"/>
+                                            </p:txEl>
+                                          </p:spTgt>
+                                        </p:tgtEl>
+                                        <p:attrNameLst>
+                                          <p:attrName>ppt_y</p:attrName>
+                                        </p:attrNameLst>
+                                      </p:cBhvr>
+                                      <p:tavLst>
+                                        <p:tav tm="0">
+                                          <p:val>
+                                            <p:strVal val="#ppt_y"/>
+                                          </p:val>
+                                        </p:tav>
+                                        <p:tav tm="100000">
+                                          <p:val>
+                                            <p:strVal val="#ppt_y"/>
+                                          </p:val>
+                                        </p:tav>
+                                      </p:tavLst>
+                                    </p:anim>
+                                  </p:childTnLst>
+                                </p:cTn>
+                              </p:par>
+                              <p:par>
+                                <p:cTn id="79" presetID="1" presetClass="entr" presetSubtype="0" fill="hold" grpId="0" nodeType="withEffect">
+                                  <p:stCondLst>
+                                    <p:cond delay="0"/>
+                                  </p:stCondLst>
+                                  <p:childTnLst>
+                                    <p:set>
+                                      <p:cBhvr>
+                                        <p:cTn id="80" dur="1" fill="hold">
+                                          <p:stCondLst>
+                                            <p:cond delay="0"/>
+                                          </p:stCondLst>
+                                        </p:cTn>
+                                        <p:tgtEl>
+                                          <p:spTgt spid="20"/>
+                                        </p:tgtEl>
+                                        <p:attrNameLst>
+                                          <p:attrName>style.visibility</p:attrName>
+                                        </p:attrNameLst>
+                                      </p:cBhvr>
+                                      <p:to>
+                                        <p:strVal val="visible"/>
+                                      </p:to>
+                                    </p:set>
+                                  </p:childTnLst>
+                                  <p:subTnLst>
+                                    <p:animClr clrSpc="rgb" dir="cw">
+                                      <p:cBhvr override="childStyle">
+                                        <p:cTn dur="1" fill="hold" display="0" masterRel="nextClick" afterEffect="1"/>
+                                        <p:tgtEl>
+                                          <p:spTgt spid="20"/>
+                                        </p:tgtEl>
+                                        <p:attrNameLst>
+                                          <p:attrName>ppt_c</p:attrName>
+                                        </p:attrNameLst>
+                                      </p:cBhvr>
+                                      <p:to>
+                                        <a:schemeClr val="accent1"/>
+                                      </p:to>
+                                    </p:animClr>
+                                  </p:subTnLst>
+                                </p:cTn>
+                              </p:par>
+                              <p:par>
+                                <p:cTn id="81" presetID="1" presetClass="entr" presetSubtype="0" fill="hold" nodeType="withEffect">
+                                  <p:stCondLst>
+                                    <p:cond delay="0"/>
+                                  </p:stCondLst>
+                                  <p:childTnLst>
+                                    <p:set>
+                                      <p:cBhvr>
+                                        <p:cTn id="82" dur="1" fill="hold">
+                                          <p:stCondLst>
+                                            <p:cond delay="0"/>
+                                          </p:stCondLst>
+                                        </p:cTn>
+                                        <p:tgtEl>
+                                          <p:spTgt spid="20">
+                                            <p:txEl>
+                                              <p:pRg st="0" end="0"/>
+                                            </p:txEl>
+                                          </p:spTgt>
+                                        </p:tgtEl>
+                                        <p:attrNameLst>
+                                          <p:attrName>style.visibility</p:attrName>
+                                        </p:attrNameLst>
+                                      </p:cBhvr>
+                                      <p:to>
+                                        <p:strVal val="visible"/>
+                                      </p:to>
+                                    </p:set>
+                                  </p:childTnLst>
+                                </p:cTn>
+                              </p:par>
+                            </p:childTnLst>
+                          </p:cTn>
+                        </p:par>
+                      </p:childTnLst>
+                    </p:cTn>
+                  </p:par>
+                  <p:par>
+                    <p:cTn id="83" fill="hold">
+                      <p:stCondLst>
+                        <p:cond delay="indefinite"/>
+                      </p:stCondLst>
+                      <p:childTnLst>
+                        <p:par>
+                          <p:cTn id="84" fill="hold">
+                            <p:stCondLst>
+                              <p:cond delay="0"/>
+                            </p:stCondLst>
+                            <p:childTnLst>
+                              <p:par>
+                                <p:cTn id="85" presetID="1" presetClass="entr" presetSubtype="0" fill="hold" grpId="0" nodeType="clickEffect">
+                                  <p:stCondLst>
+                                    <p:cond delay="0"/>
+                                  </p:stCondLst>
+                                  <p:childTnLst>
+                                    <p:set>
+                                      <p:cBhvr>
+                                        <p:cTn id="86" dur="1" fill="hold">
+                                          <p:stCondLst>
+                                            <p:cond delay="0"/>
+                                          </p:stCondLst>
+                                        </p:cTn>
+                                        <p:tgtEl>
+                                          <p:spTgt spid="21"/>
+                                        </p:tgtEl>
+                                        <p:attrNameLst>
+                                          <p:attrName>style.visibility</p:attrName>
+                                        </p:attrNameLst>
+                                      </p:cBhvr>
+                                      <p:to>
+                                        <p:strVal val="visible"/>
+                                      </p:to>
+                                    </p:set>
+                                  </p:childTnLst>
+                                  <p:subTnLst>
+                                    <p:animClr clrSpc="rgb" dir="cw">
+                                      <p:cBhvr override="childStyle">
+                                        <p:cTn dur="1" fill="hold" display="0" masterRel="nextClick" afterEffect="1"/>
+                                        <p:tgtEl>
+                                          <p:spTgt spid="21"/>
+                                        </p:tgtEl>
+                                        <p:attrNameLst>
+                                          <p:attrName>ppt_c</p:attrName>
+                                        </p:attrNameLst>
+                                      </p:cBhvr>
+                                      <p:to>
+                                        <a:schemeClr val="accent1"/>
+                                      </p:to>
+                                    </p:animClr>
+                                  </p:subTnLst>
+                                </p:cTn>
+                              </p:par>
+                              <p:par>
+                                <p:cTn id="87" presetID="2" presetClass="entr" presetSubtype="8" fill="hold" nodeType="withEffect">
+                                  <p:stCondLst>
+                                    <p:cond delay="0"/>
+                                  </p:stCondLst>
+                                  <p:childTnLst>
+                                    <p:set>
+                                      <p:cBhvr>
+                                        <p:cTn id="88" dur="1" fill="hold">
+                                          <p:stCondLst>
+                                            <p:cond delay="0"/>
+                                          </p:stCondLst>
+                                        </p:cTn>
+                                        <p:tgtEl>
+                                          <p:spTgt spid="21">
+                                            <p:txEl>
+                                              <p:pRg st="0" end="0"/>
+                                            </p:txEl>
+                                          </p:spTgt>
+                                        </p:tgtEl>
+                                        <p:attrNameLst>
+                                          <p:attrName>style.visibility</p:attrName>
+                                        </p:attrNameLst>
+                                      </p:cBhvr>
+                                      <p:to>
+                                        <p:strVal val="visible"/>
+                                      </p:to>
+                                    </p:set>
+                                    <p:anim calcmode="lin" valueType="num">
+                                      <p:cBhvr additive="base">
+                                        <p:cTn id="89" dur="500" fill="hold"/>
+                                        <p:tgtEl>
+                                          <p:spTgt spid="21">
+                                            <p:txEl>
+                                              <p:pRg st="0" end="0"/>
+                                            </p:txEl>
+                                          </p:spTgt>
+                                        </p:tgtEl>
+                                        <p:attrNameLst>
+                                          <p:attrName>ppt_x</p:attrName>
+                                        </p:attrNameLst>
+                                      </p:cBhvr>
+                                      <p:tavLst>
+                                        <p:tav tm="0">
+                                          <p:val>
+                                            <p:strVal val="0-#ppt_w/2"/>
+                                          </p:val>
+                                        </p:tav>
+                                        <p:tav tm="100000">
+                                          <p:val>
+                                            <p:strVal val="#ppt_x"/>
+                                          </p:val>
+                                        </p:tav>
+                                      </p:tavLst>
+                                    </p:anim>
+                                    <p:anim calcmode="lin" valueType="num">
+                                      <p:cBhvr additive="base">
+                                        <p:cTn id="90" dur="500" fill="hold"/>
+                                        <p:tgtEl>
+                                          <p:spTgt spid="21">
+                                            <p:txEl>
+                                              <p:pRg st="0" end="0"/>
+                                            </p:txEl>
+                                          </p:spTgt>
+                                        </p:tgtEl>
+                                        <p:attrNameLst>
+                                          <p:attrName>ppt_y</p:attrName>
+                                        </p:attrNameLst>
+                                      </p:cBhvr>
+                                      <p:tavLst>
+                                        <p:tav tm="0">
+                                          <p:val>
+                                            <p:strVal val="#ppt_y"/>
+                                          </p:val>
+                                        </p:tav>
+                                        <p:tav tm="100000">
+                                          <p:val>
+                                            <p:strVal val="#ppt_y"/>
+                                          </p:val>
+                                        </p:tav>
+                                      </p:tavLst>
+                                    </p:anim>
+                                  </p:childTnLst>
+                                </p:cTn>
+                              </p:par>
+                            </p:childTnLst>
+                          </p:cTn>
+                        </p:par>
+                      </p:childTnLst>
+                    </p:cTn>
+                  </p:par>
                 </p:childTnLst>
               </p:cTn>
               <p:prevCondLst>
@@ -7574,9 +8839,1153 @@
       <p:bldP spid="67" grpId="0" animBg="1"/>
       <p:bldP spid="70" grpId="0" animBg="1"/>
       <p:bldP spid="71" grpId="0" animBg="1"/>
+      <p:bldP spid="5" grpId="0" animBg="1"/>
+      <p:bldP spid="14" grpId="0" animBg="1"/>
+      <p:bldP spid="16" grpId="0" animBg="1"/>
+      <p:bldP spid="17" grpId="0" animBg="1"/>
+      <p:bldP spid="18" grpId="0" animBg="1"/>
+      <p:bldP spid="20" grpId="0" animBg="1"/>
+      <p:bldP spid="21" grpId="0" animBg="1"/>
     </p:bldLst>
   </p:timing>
 </p:sld>
+</file>
+
+<file path=ppt/slides/slide7.xml><?xml version="1.0" encoding="utf-8"?>
+<p:sld xmlns:a="http://schemas.openxmlformats.org/drawingml/2006/main" xmlns:r="http://schemas.openxmlformats.org/officeDocument/2006/relationships" xmlns:p="http://schemas.openxmlformats.org/presentationml/2006/main">
+  <p:cSld>
+    <p:spTree>
+      <p:nvGrpSpPr>
+        <p:cNvPr id="1" name=""/>
+        <p:cNvGrpSpPr/>
+        <p:nvPr/>
+      </p:nvGrpSpPr>
+      <p:grpSpPr>
+        <a:xfrm>
+          <a:off x="0" y="0"/>
+          <a:ext cx="0" cy="0"/>
+          <a:chOff x="0" y="0"/>
+          <a:chExt cx="0" cy="0"/>
+        </a:xfrm>
+      </p:grpSpPr>
+      <p:graphicFrame>
+        <p:nvGraphicFramePr>
+          <p:cNvPr id="2" name="表格 1">
+            <a:extLst>
+              <a:ext uri="{FF2B5EF4-FFF2-40B4-BE49-F238E27FC236}">
+                <a16:creationId xmlns:a16="http://schemas.microsoft.com/office/drawing/2014/main" id="{2907A123-15F0-C889-E78D-E6A71F0F38D3}"/>
+              </a:ext>
+            </a:extLst>
+          </p:cNvPr>
+          <p:cNvGraphicFramePr/>
+          <p:nvPr>
+            <p:custDataLst>
+              <p:tags r:id="rId1"/>
+            </p:custDataLst>
+            <p:extLst>
+              <p:ext uri="{D42A27DB-BD31-4B8C-83A1-F6EECF244321}">
+                <p14:modId xmlns:p14="http://schemas.microsoft.com/office/powerpoint/2010/main" val="2316169540"/>
+              </p:ext>
+            </p:extLst>
+          </p:nvPr>
+        </p:nvGraphicFramePr>
+        <p:xfrm>
+          <a:off x="615950" y="1648518"/>
+          <a:ext cx="10960100" cy="2322195"/>
+        </p:xfrm>
+        <a:graphic>
+          <a:graphicData uri="http://schemas.openxmlformats.org/drawingml/2006/table">
+            <a:tbl>
+              <a:tblPr firstRow="1" bandRow="1">
+                <a:tableStyleId>{5C22544A-7EE6-4342-B048-85BDC9FD1C3A}</a:tableStyleId>
+              </a:tblPr>
+              <a:tblGrid>
+                <a:gridCol w="2880995">
+                  <a:extLst>
+                    <a:ext uri="{9D8B030D-6E8A-4147-A177-3AD203B41FA5}">
+                      <a16:colId xmlns:a16="http://schemas.microsoft.com/office/drawing/2014/main" val="20000"/>
+                    </a:ext>
+                  </a:extLst>
+                </a:gridCol>
+                <a:gridCol w="2599055">
+                  <a:extLst>
+                    <a:ext uri="{9D8B030D-6E8A-4147-A177-3AD203B41FA5}">
+                      <a16:colId xmlns:a16="http://schemas.microsoft.com/office/drawing/2014/main" val="20001"/>
+                    </a:ext>
+                  </a:extLst>
+                </a:gridCol>
+                <a:gridCol w="2740025">
+                  <a:extLst>
+                    <a:ext uri="{9D8B030D-6E8A-4147-A177-3AD203B41FA5}">
+                      <a16:colId xmlns:a16="http://schemas.microsoft.com/office/drawing/2014/main" val="20002"/>
+                    </a:ext>
+                  </a:extLst>
+                </a:gridCol>
+                <a:gridCol w="2740025">
+                  <a:extLst>
+                    <a:ext uri="{9D8B030D-6E8A-4147-A177-3AD203B41FA5}">
+                      <a16:colId xmlns:a16="http://schemas.microsoft.com/office/drawing/2014/main" val="20003"/>
+                    </a:ext>
+                  </a:extLst>
+                </a:gridCol>
+              </a:tblGrid>
+              <a:tr h="774065">
+                <a:tc>
+                  <a:txBody>
+                    <a:bodyPr/>
+                    <a:lstStyle/>
+                    <a:p>
+                      <a:pPr algn="ctr">
+                        <a:lnSpc>
+                          <a:spcPct val="160000"/>
+                        </a:lnSpc>
+                        <a:buNone/>
+                      </a:pPr>
+                      <a:r>
+                        <a:rPr lang="en-US" altLang="zh-CN" sz="2800"/>
+                        <a:t>Dijkstra</a:t>
+                      </a:r>
+                      <a:endParaRPr lang="zh-CN" altLang="en-US" sz="2800"/>
+                    </a:p>
+                  </a:txBody>
+                  <a:tcPr/>
+                </a:tc>
+                <a:tc>
+                  <a:txBody>
+                    <a:bodyPr/>
+                    <a:lstStyle/>
+                    <a:p>
+                      <a:pPr algn="ctr">
+                        <a:lnSpc>
+                          <a:spcPct val="160000"/>
+                        </a:lnSpc>
+                        <a:buNone/>
+                      </a:pPr>
+                      <a:r>
+                        <a:rPr lang="zh-CN" altLang="en-US" sz="2800"/>
+                        <a:t>时间复杂度</a:t>
+                      </a:r>
+                    </a:p>
+                  </a:txBody>
+                  <a:tcPr/>
+                </a:tc>
+                <a:tc>
+                  <a:txBody>
+                    <a:bodyPr/>
+                    <a:lstStyle/>
+                    <a:p>
+                      <a:pPr algn="ctr">
+                        <a:lnSpc>
+                          <a:spcPct val="160000"/>
+                        </a:lnSpc>
+                        <a:buNone/>
+                      </a:pPr>
+                      <a:r>
+                        <a:rPr lang="zh-CN" altLang="en-US" sz="2800"/>
+                        <a:t>空间复杂度</a:t>
+                      </a:r>
+                    </a:p>
+                  </a:txBody>
+                  <a:tcPr/>
+                </a:tc>
+                <a:tc>
+                  <a:txBody>
+                    <a:bodyPr/>
+                    <a:lstStyle/>
+                    <a:p>
+                      <a:pPr algn="ctr">
+                        <a:lnSpc>
+                          <a:spcPct val="160000"/>
+                        </a:lnSpc>
+                        <a:buNone/>
+                      </a:pPr>
+                      <a:r>
+                        <a:rPr lang="zh-CN" altLang="en-US" sz="2800"/>
+                        <a:t>适用情况</a:t>
+                      </a:r>
+                    </a:p>
+                  </a:txBody>
+                  <a:tcPr/>
+                </a:tc>
+                <a:extLst>
+                  <a:ext uri="{0D108BD9-81ED-4DB2-BD59-A6C34878D82A}">
+                    <a16:rowId xmlns:a16="http://schemas.microsoft.com/office/drawing/2014/main" val="10000"/>
+                  </a:ext>
+                </a:extLst>
+              </a:tr>
+              <a:tr h="774065">
+                <a:tc>
+                  <a:txBody>
+                    <a:bodyPr/>
+                    <a:lstStyle/>
+                    <a:p>
+                      <a:pPr algn="ctr">
+                        <a:lnSpc>
+                          <a:spcPct val="160000"/>
+                        </a:lnSpc>
+                        <a:buNone/>
+                      </a:pPr>
+                      <a:r>
+                        <a:rPr lang="zh-CN" altLang="en-US" sz="2800"/>
+                        <a:t>朴素法</a:t>
+                      </a:r>
+                    </a:p>
+                  </a:txBody>
+                  <a:tcPr/>
+                </a:tc>
+                <a:tc>
+                  <a:txBody>
+                    <a:bodyPr/>
+                    <a:lstStyle/>
+                    <a:p>
+                      <a:pPr algn="ctr">
+                        <a:lnSpc>
+                          <a:spcPct val="160000"/>
+                        </a:lnSpc>
+                        <a:buNone/>
+                      </a:pPr>
+                      <a:r>
+                        <a:rPr lang="en-US" altLang="zh-CN" sz="2800"/>
+                        <a:t>O(V</a:t>
+                      </a:r>
+                      <a:r>
+                        <a:rPr lang="en-US" altLang="zh-CN" sz="2800" baseline="30000"/>
+                        <a:t>2</a:t>
+                      </a:r>
+                      <a:r>
+                        <a:rPr lang="en-US" altLang="zh-CN" sz="2800"/>
+                        <a:t>)</a:t>
+                      </a:r>
+                    </a:p>
+                  </a:txBody>
+                  <a:tcPr/>
+                </a:tc>
+                <a:tc>
+                  <a:txBody>
+                    <a:bodyPr/>
+                    <a:lstStyle/>
+                    <a:p>
+                      <a:pPr algn="ctr">
+                        <a:lnSpc>
+                          <a:spcPct val="160000"/>
+                        </a:lnSpc>
+                        <a:buNone/>
+                      </a:pPr>
+                      <a:r>
+                        <a:rPr lang="en-US" altLang="zh-CN" sz="2800"/>
+                        <a:t>O(V</a:t>
+                      </a:r>
+                      <a:r>
+                        <a:rPr lang="en-US" altLang="zh-CN" sz="2800" baseline="30000"/>
+                        <a:t>2</a:t>
+                      </a:r>
+                      <a:r>
+                        <a:rPr lang="en-US" altLang="zh-CN" sz="2800"/>
+                        <a:t>)</a:t>
+                      </a:r>
+                      <a:endParaRPr lang="zh-CN" altLang="en-US" sz="2800"/>
+                    </a:p>
+                  </a:txBody>
+                  <a:tcPr/>
+                </a:tc>
+                <a:tc>
+                  <a:txBody>
+                    <a:bodyPr/>
+                    <a:lstStyle/>
+                    <a:p>
+                      <a:pPr algn="ctr">
+                        <a:lnSpc>
+                          <a:spcPct val="160000"/>
+                        </a:lnSpc>
+                        <a:buNone/>
+                      </a:pPr>
+                      <a:r>
+                        <a:rPr lang="zh-CN" altLang="en-US" sz="2800"/>
+                        <a:t>稠密图</a:t>
+                      </a:r>
+                    </a:p>
+                  </a:txBody>
+                  <a:tcPr/>
+                </a:tc>
+                <a:extLst>
+                  <a:ext uri="{0D108BD9-81ED-4DB2-BD59-A6C34878D82A}">
+                    <a16:rowId xmlns:a16="http://schemas.microsoft.com/office/drawing/2014/main" val="10001"/>
+                  </a:ext>
+                </a:extLst>
+              </a:tr>
+              <a:tr h="774065">
+                <a:tc>
+                  <a:txBody>
+                    <a:bodyPr/>
+                    <a:lstStyle/>
+                    <a:p>
+                      <a:pPr algn="ctr">
+                        <a:lnSpc>
+                          <a:spcPct val="160000"/>
+                        </a:lnSpc>
+                        <a:buNone/>
+                      </a:pPr>
+                      <a:r>
+                        <a:rPr lang="zh-CN" altLang="en-US" sz="2800" b="0"/>
+                        <a:t>堆优化</a:t>
+                      </a:r>
+                    </a:p>
+                  </a:txBody>
+                  <a:tcPr/>
+                </a:tc>
+                <a:tc>
+                  <a:txBody>
+                    <a:bodyPr/>
+                    <a:lstStyle/>
+                    <a:p>
+                      <a:pPr algn="ctr">
+                        <a:lnSpc>
+                          <a:spcPct val="160000"/>
+                        </a:lnSpc>
+                        <a:buNone/>
+                      </a:pPr>
+                      <a:r>
+                        <a:rPr lang="en-US" altLang="zh-CN" sz="2800"/>
+                        <a:t>O(ElogV)</a:t>
+                      </a:r>
+                    </a:p>
+                  </a:txBody>
+                  <a:tcPr/>
+                </a:tc>
+                <a:tc>
+                  <a:txBody>
+                    <a:bodyPr/>
+                    <a:lstStyle/>
+                    <a:p>
+                      <a:pPr algn="ctr">
+                        <a:lnSpc>
+                          <a:spcPct val="160000"/>
+                        </a:lnSpc>
+                        <a:buNone/>
+                      </a:pPr>
+                      <a:r>
+                        <a:rPr lang="en-US" altLang="zh-CN" sz="2800">
+                          <a:sym typeface="+mn-ea"/>
+                        </a:rPr>
+                        <a:t>O(V+E)</a:t>
+                      </a:r>
+                      <a:endParaRPr lang="en-US" altLang="zh-CN" sz="2800"/>
+                    </a:p>
+                  </a:txBody>
+                  <a:tcPr/>
+                </a:tc>
+                <a:tc>
+                  <a:txBody>
+                    <a:bodyPr/>
+                    <a:lstStyle/>
+                    <a:p>
+                      <a:pPr algn="ctr">
+                        <a:lnSpc>
+                          <a:spcPct val="160000"/>
+                        </a:lnSpc>
+                        <a:buNone/>
+                      </a:pPr>
+                      <a:r>
+                        <a:rPr lang="zh-CN" altLang="en-US" sz="2800"/>
+                        <a:t>稀疏图</a:t>
+                      </a:r>
+                    </a:p>
+                  </a:txBody>
+                  <a:tcPr/>
+                </a:tc>
+                <a:extLst>
+                  <a:ext uri="{0D108BD9-81ED-4DB2-BD59-A6C34878D82A}">
+                    <a16:rowId xmlns:a16="http://schemas.microsoft.com/office/drawing/2014/main" val="10002"/>
+                  </a:ext>
+                </a:extLst>
+              </a:tr>
+            </a:tbl>
+          </a:graphicData>
+        </a:graphic>
+      </p:graphicFrame>
+      <p:sp>
+        <p:nvSpPr>
+          <p:cNvPr id="3" name="矩形 2">
+            <a:extLst>
+              <a:ext uri="{FF2B5EF4-FFF2-40B4-BE49-F238E27FC236}">
+                <a16:creationId xmlns:a16="http://schemas.microsoft.com/office/drawing/2014/main" id="{82D63FBF-68AC-4FEA-E2DC-1A39DA0F3331}"/>
+              </a:ext>
+            </a:extLst>
+          </p:cNvPr>
+          <p:cNvSpPr/>
+          <p:nvPr/>
+        </p:nvSpPr>
+        <p:spPr>
+          <a:xfrm>
+            <a:off x="2101414" y="286725"/>
+            <a:ext cx="2698176" cy="523220"/>
+          </a:xfrm>
+          <a:prstGeom prst="rect">
+            <a:avLst/>
+          </a:prstGeom>
+          <a:ln/>
+        </p:spPr>
+        <p:style>
+          <a:lnRef idx="3">
+            <a:schemeClr val="lt1"/>
+          </a:lnRef>
+          <a:fillRef idx="1">
+            <a:schemeClr val="accent2"/>
+          </a:fillRef>
+          <a:effectRef idx="1">
+            <a:schemeClr val="accent2"/>
+          </a:effectRef>
+          <a:fontRef idx="minor">
+            <a:schemeClr val="lt1"/>
+          </a:fontRef>
+        </p:style>
+        <p:txBody>
+          <a:bodyPr wrap="none" lIns="91440" tIns="45720" rIns="91440" bIns="45720">
+            <a:spAutoFit/>
+          </a:bodyPr>
+          <a:lstStyle/>
+          <a:p>
+            <a:pPr algn="ctr"/>
+            <a:r>
+              <a:rPr lang="zh-CN" altLang="en-US" sz="2800" b="1" cap="none" spc="0">
+                <a:ln w="6600">
+                  <a:solidFill>
+                    <a:schemeClr val="accent2"/>
+                  </a:solidFill>
+                  <a:prstDash val="solid"/>
+                </a:ln>
+                <a:solidFill>
+                  <a:srgbClr val="FFFFFF"/>
+                </a:solidFill>
+                <a:effectLst>
+                  <a:outerShdw dist="38100" dir="2700000" algn="tl" rotWithShape="0">
+                    <a:schemeClr val="accent2"/>
+                  </a:outerShdw>
+                </a:effectLst>
+              </a:rPr>
+              <a:t>算法复杂度分析</a:t>
+            </a:r>
+          </a:p>
+        </p:txBody>
+      </p:sp>
+    </p:spTree>
+    <p:extLst>
+      <p:ext uri="{BB962C8B-B14F-4D97-AF65-F5344CB8AC3E}">
+        <p14:creationId xmlns:p14="http://schemas.microsoft.com/office/powerpoint/2010/main" val="4287620495"/>
+      </p:ext>
+    </p:extLst>
+  </p:cSld>
+  <p:clrMapOvr>
+    <a:masterClrMapping/>
+  </p:clrMapOvr>
+</p:sld>
+</file>
+
+<file path=ppt/slides/slide8.xml><?xml version="1.0" encoding="utf-8"?>
+<p:sld xmlns:a="http://schemas.openxmlformats.org/drawingml/2006/main" xmlns:r="http://schemas.openxmlformats.org/officeDocument/2006/relationships" xmlns:p="http://schemas.openxmlformats.org/presentationml/2006/main">
+  <p:cSld>
+    <p:spTree>
+      <p:nvGrpSpPr>
+        <p:cNvPr id="1" name=""/>
+        <p:cNvGrpSpPr/>
+        <p:nvPr/>
+      </p:nvGrpSpPr>
+      <p:grpSpPr>
+        <a:xfrm>
+          <a:off x="0" y="0"/>
+          <a:ext cx="0" cy="0"/>
+          <a:chOff x="0" y="0"/>
+          <a:chExt cx="0" cy="0"/>
+        </a:xfrm>
+      </p:grpSpPr>
+      <p:sp>
+        <p:nvSpPr>
+          <p:cNvPr id="2" name="矩形 1">
+            <a:extLst>
+              <a:ext uri="{FF2B5EF4-FFF2-40B4-BE49-F238E27FC236}">
+                <a16:creationId xmlns:a16="http://schemas.microsoft.com/office/drawing/2014/main" id="{8AA7DDB0-4C39-6EE7-4BD0-E08B072D0C7F}"/>
+              </a:ext>
+            </a:extLst>
+          </p:cNvPr>
+          <p:cNvSpPr/>
+          <p:nvPr/>
+        </p:nvSpPr>
+        <p:spPr>
+          <a:xfrm>
+            <a:off x="2184917" y="2787227"/>
+            <a:ext cx="7143302" cy="1107996"/>
+          </a:xfrm>
+          <a:prstGeom prst="rect">
+            <a:avLst/>
+          </a:prstGeom>
+          <a:noFill/>
+        </p:spPr>
+        <p:txBody>
+          <a:bodyPr wrap="none" lIns="91440" tIns="45720" rIns="91440" bIns="45720">
+            <a:spAutoFit/>
+          </a:bodyPr>
+          <a:lstStyle/>
+          <a:p>
+            <a:pPr algn="ctr"/>
+            <a:r>
+              <a:rPr lang="en-US" altLang="zh-CN" sz="6600" b="1">
+                <a:ln w="22225">
+                  <a:solidFill>
+                    <a:schemeClr val="accent2"/>
+                  </a:solidFill>
+                  <a:prstDash val="solid"/>
+                </a:ln>
+                <a:solidFill>
+                  <a:schemeClr val="accent2">
+                    <a:lumMod val="40000"/>
+                    <a:lumOff val="60000"/>
+                  </a:schemeClr>
+                </a:solidFill>
+              </a:rPr>
+              <a:t>Bellman-Ford</a:t>
+            </a:r>
+            <a:r>
+              <a:rPr lang="zh-CN" altLang="en-US" sz="6600" b="1" cap="none" spc="0">
+                <a:ln w="22225">
+                  <a:solidFill>
+                    <a:schemeClr val="accent2"/>
+                  </a:solidFill>
+                  <a:prstDash val="solid"/>
+                </a:ln>
+                <a:solidFill>
+                  <a:schemeClr val="accent2">
+                    <a:lumMod val="40000"/>
+                    <a:lumOff val="60000"/>
+                  </a:schemeClr>
+                </a:solidFill>
+                <a:effectLst/>
+              </a:rPr>
+              <a:t>算法</a:t>
+            </a:r>
+          </a:p>
+        </p:txBody>
+      </p:sp>
+    </p:spTree>
+    <p:extLst>
+      <p:ext uri="{BB962C8B-B14F-4D97-AF65-F5344CB8AC3E}">
+        <p14:creationId xmlns:p14="http://schemas.microsoft.com/office/powerpoint/2010/main" val="884767731"/>
+      </p:ext>
+    </p:extLst>
+  </p:cSld>
+  <p:clrMapOvr>
+    <a:masterClrMapping/>
+  </p:clrMapOvr>
+  <p:timing>
+    <p:tnLst>
+      <p:par>
+        <p:cTn id="1" dur="indefinite" restart="never" nodeType="tmRoot">
+          <p:childTnLst>
+            <p:seq concurrent="1" nextAc="seek">
+              <p:cTn id="2" dur="indefinite" nodeType="mainSeq">
+                <p:childTnLst>
+                  <p:par>
+                    <p:cTn id="3" fill="hold">
+                      <p:stCondLst>
+                        <p:cond delay="indefinite"/>
+                      </p:stCondLst>
+                      <p:childTnLst>
+                        <p:par>
+                          <p:cTn id="4" fill="hold">
+                            <p:stCondLst>
+                              <p:cond delay="0"/>
+                            </p:stCondLst>
+                            <p:childTnLst>
+                              <p:par>
+                                <p:cTn id="5" presetID="1" presetClass="entr" presetSubtype="0" fill="hold" grpId="0" nodeType="clickEffect">
+                                  <p:stCondLst>
+                                    <p:cond delay="0"/>
+                                  </p:stCondLst>
+                                  <p:iterate type="lt">
+                                    <p:tmAbs val="50"/>
+                                  </p:iterate>
+                                  <p:childTnLst>
+                                    <p:set>
+                                      <p:cBhvr>
+                                        <p:cTn id="6" dur="1" fill="hold">
+                                          <p:stCondLst>
+                                            <p:cond delay="0"/>
+                                          </p:stCondLst>
+                                        </p:cTn>
+                                        <p:tgtEl>
+                                          <p:spTgt spid="2"/>
+                                        </p:tgtEl>
+                                        <p:attrNameLst>
+                                          <p:attrName>style.visibility</p:attrName>
+                                        </p:attrNameLst>
+                                      </p:cBhvr>
+                                      <p:to>
+                                        <p:strVal val="visible"/>
+                                      </p:to>
+                                    </p:set>
+                                  </p:childTnLst>
+                                </p:cTn>
+                              </p:par>
+                            </p:childTnLst>
+                          </p:cTn>
+                        </p:par>
+                      </p:childTnLst>
+                    </p:cTn>
+                  </p:par>
+                </p:childTnLst>
+              </p:cTn>
+              <p:prevCondLst>
+                <p:cond evt="onPrev" delay="0">
+                  <p:tgtEl>
+                    <p:sldTgt/>
+                  </p:tgtEl>
+                </p:cond>
+              </p:prevCondLst>
+              <p:nextCondLst>
+                <p:cond evt="onNext" delay="0">
+                  <p:tgtEl>
+                    <p:sldTgt/>
+                  </p:tgtEl>
+                </p:cond>
+              </p:nextCondLst>
+            </p:seq>
+          </p:childTnLst>
+        </p:cTn>
+      </p:par>
+    </p:tnLst>
+    <p:bldLst>
+      <p:bldP spid="2" grpId="0"/>
+    </p:bldLst>
+  </p:timing>
+</p:sld>
+</file>
+
+<file path=ppt/slides/slide9.xml><?xml version="1.0" encoding="utf-8"?>
+<p:sld xmlns:a="http://schemas.openxmlformats.org/drawingml/2006/main" xmlns:r="http://schemas.openxmlformats.org/officeDocument/2006/relationships" xmlns:p="http://schemas.openxmlformats.org/presentationml/2006/main">
+  <p:cSld>
+    <p:spTree>
+      <p:nvGrpSpPr>
+        <p:cNvPr id="1" name=""/>
+        <p:cNvGrpSpPr/>
+        <p:nvPr/>
+      </p:nvGrpSpPr>
+      <p:grpSpPr>
+        <a:xfrm>
+          <a:off x="0" y="0"/>
+          <a:ext cx="0" cy="0"/>
+          <a:chOff x="0" y="0"/>
+          <a:chExt cx="0" cy="0"/>
+        </a:xfrm>
+      </p:grpSpPr>
+      <p:sp>
+        <p:nvSpPr>
+          <p:cNvPr id="3" name="文本框 2">
+            <a:extLst>
+              <a:ext uri="{FF2B5EF4-FFF2-40B4-BE49-F238E27FC236}">
+                <a16:creationId xmlns:a16="http://schemas.microsoft.com/office/drawing/2014/main" id="{44899663-0B50-636D-7743-379D011329FB}"/>
+              </a:ext>
+            </a:extLst>
+          </p:cNvPr>
+          <p:cNvSpPr txBox="1"/>
+          <p:nvPr/>
+        </p:nvSpPr>
+        <p:spPr>
+          <a:xfrm>
+            <a:off x="554528" y="1216306"/>
+            <a:ext cx="10318172" cy="3970318"/>
+          </a:xfrm>
+          <a:prstGeom prst="rect">
+            <a:avLst/>
+          </a:prstGeom>
+          <a:noFill/>
+        </p:spPr>
+        <p:txBody>
+          <a:bodyPr wrap="square">
+            <a:spAutoFit/>
+          </a:bodyPr>
+          <a:lstStyle/>
+          <a:p>
+            <a:pPr marL="571500" indent="-571500">
+              <a:buFont typeface="Wingdings" panose="05000000000000000000" pitchFamily="2" charset="2"/>
+              <a:buChar char="l"/>
+            </a:pPr>
+            <a:r>
+              <a:rPr lang="zh-CN" altLang="en-US" sz="3600"/>
+              <a:t>Bellman-Ford算法：</a:t>
+            </a:r>
+          </a:p>
+          <a:p>
+            <a:pPr marL="1028700" lvl="1" indent="-571500">
+              <a:buFont typeface="Wingdings" panose="05000000000000000000" pitchFamily="2" charset="2"/>
+              <a:buChar char="n"/>
+            </a:pPr>
+            <a:r>
+              <a:rPr lang="zh-CN" altLang="en-US" sz="3600"/>
+              <a:t>执行V-1次“对每条边做松弛操作”</a:t>
+            </a:r>
+          </a:p>
+          <a:p>
+            <a:pPr marL="1028700" lvl="1" indent="-571500">
+              <a:buFont typeface="Wingdings" panose="05000000000000000000" pitchFamily="2" charset="2"/>
+              <a:buChar char="n"/>
+            </a:pPr>
+            <a:r>
+              <a:rPr lang="zh-CN" altLang="en-US" sz="3600"/>
+              <a:t>时间复杂度O(VE)，空间复杂度O(V+E)</a:t>
+            </a:r>
+          </a:p>
+          <a:p>
+            <a:pPr marL="571500" indent="-571500">
+              <a:buFont typeface="Wingdings" panose="05000000000000000000" pitchFamily="2" charset="2"/>
+              <a:buChar char="l"/>
+            </a:pPr>
+            <a:r>
+              <a:rPr lang="zh-CN" altLang="en-US" sz="3600"/>
+              <a:t>适用情况</a:t>
+            </a:r>
+          </a:p>
+          <a:p>
+            <a:pPr marL="1028700" lvl="1" indent="-571500">
+              <a:buFont typeface="Wingdings" panose="05000000000000000000" pitchFamily="2" charset="2"/>
+              <a:buChar char="n"/>
+            </a:pPr>
+            <a:r>
+              <a:rPr lang="zh-CN" altLang="en-US" sz="3600"/>
+              <a:t>求解单源最短路径问题</a:t>
+            </a:r>
+          </a:p>
+          <a:p>
+            <a:pPr marL="1028700" lvl="1" indent="-571500">
+              <a:buFont typeface="Wingdings" panose="05000000000000000000" pitchFamily="2" charset="2"/>
+              <a:buChar char="n"/>
+            </a:pPr>
+            <a:r>
+              <a:rPr lang="zh-CN" altLang="en-US" sz="3600"/>
+              <a:t>图中可以有负权边</a:t>
+            </a:r>
+          </a:p>
+          <a:p>
+            <a:pPr marL="571500" indent="-571500">
+              <a:buFont typeface="Wingdings" panose="05000000000000000000" pitchFamily="2" charset="2"/>
+              <a:buChar char="l"/>
+            </a:pPr>
+            <a:r>
+              <a:rPr lang="zh-CN" altLang="en-US" sz="3600"/>
+              <a:t>特点：可以判断出图中有没有负权环</a:t>
+            </a:r>
+          </a:p>
+        </p:txBody>
+      </p:sp>
+    </p:spTree>
+    <p:extLst>
+      <p:ext uri="{BB962C8B-B14F-4D97-AF65-F5344CB8AC3E}">
+        <p14:creationId xmlns:p14="http://schemas.microsoft.com/office/powerpoint/2010/main" val="2604322107"/>
+      </p:ext>
+    </p:extLst>
+  </p:cSld>
+  <p:clrMapOvr>
+    <a:masterClrMapping/>
+  </p:clrMapOvr>
+  <p:timing>
+    <p:tnLst>
+      <p:par>
+        <p:cTn id="1" dur="indefinite" restart="never" nodeType="tmRoot">
+          <p:childTnLst>
+            <p:seq concurrent="1" nextAc="seek">
+              <p:cTn id="2" dur="indefinite" nodeType="mainSeq">
+                <p:childTnLst>
+                  <p:par>
+                    <p:cTn id="3" fill="hold">
+                      <p:stCondLst>
+                        <p:cond delay="indefinite"/>
+                      </p:stCondLst>
+                      <p:childTnLst>
+                        <p:par>
+                          <p:cTn id="4" fill="hold">
+                            <p:stCondLst>
+                              <p:cond delay="0"/>
+                            </p:stCondLst>
+                            <p:childTnLst>
+                              <p:par>
+                                <p:cTn id="5" presetID="1" presetClass="entr" presetSubtype="0" fill="hold" nodeType="clickEffect">
+                                  <p:stCondLst>
+                                    <p:cond delay="0"/>
+                                  </p:stCondLst>
+                                  <p:iterate type="lt">
+                                    <p:tmAbs val="50"/>
+                                  </p:iterate>
+                                  <p:childTnLst>
+                                    <p:set>
+                                      <p:cBhvr>
+                                        <p:cTn id="6" dur="1" fill="hold">
+                                          <p:stCondLst>
+                                            <p:cond delay="0"/>
+                                          </p:stCondLst>
+                                        </p:cTn>
+                                        <p:tgtEl>
+                                          <p:spTgt spid="3">
+                                            <p:txEl>
+                                              <p:pRg st="0" end="0"/>
+                                            </p:txEl>
+                                          </p:spTgt>
+                                        </p:tgtEl>
+                                        <p:attrNameLst>
+                                          <p:attrName>style.visibility</p:attrName>
+                                        </p:attrNameLst>
+                                      </p:cBhvr>
+                                      <p:to>
+                                        <p:strVal val="visible"/>
+                                      </p:to>
+                                    </p:set>
+                                  </p:childTnLst>
+                                </p:cTn>
+                              </p:par>
+                            </p:childTnLst>
+                          </p:cTn>
+                        </p:par>
+                      </p:childTnLst>
+                    </p:cTn>
+                  </p:par>
+                  <p:par>
+                    <p:cTn id="7" fill="hold">
+                      <p:stCondLst>
+                        <p:cond delay="indefinite"/>
+                      </p:stCondLst>
+                      <p:childTnLst>
+                        <p:par>
+                          <p:cTn id="8" fill="hold">
+                            <p:stCondLst>
+                              <p:cond delay="0"/>
+                            </p:stCondLst>
+                            <p:childTnLst>
+                              <p:par>
+                                <p:cTn id="9" presetID="1" presetClass="entr" presetSubtype="0" fill="hold" nodeType="clickEffect">
+                                  <p:stCondLst>
+                                    <p:cond delay="0"/>
+                                  </p:stCondLst>
+                                  <p:iterate type="lt">
+                                    <p:tmAbs val="50"/>
+                                  </p:iterate>
+                                  <p:childTnLst>
+                                    <p:set>
+                                      <p:cBhvr>
+                                        <p:cTn id="10" dur="1" fill="hold">
+                                          <p:stCondLst>
+                                            <p:cond delay="0"/>
+                                          </p:stCondLst>
+                                        </p:cTn>
+                                        <p:tgtEl>
+                                          <p:spTgt spid="3">
+                                            <p:txEl>
+                                              <p:pRg st="1" end="1"/>
+                                            </p:txEl>
+                                          </p:spTgt>
+                                        </p:tgtEl>
+                                        <p:attrNameLst>
+                                          <p:attrName>style.visibility</p:attrName>
+                                        </p:attrNameLst>
+                                      </p:cBhvr>
+                                      <p:to>
+                                        <p:strVal val="visible"/>
+                                      </p:to>
+                                    </p:set>
+                                  </p:childTnLst>
+                                </p:cTn>
+                              </p:par>
+                            </p:childTnLst>
+                          </p:cTn>
+                        </p:par>
+                      </p:childTnLst>
+                    </p:cTn>
+                  </p:par>
+                  <p:par>
+                    <p:cTn id="11" fill="hold">
+                      <p:stCondLst>
+                        <p:cond delay="indefinite"/>
+                      </p:stCondLst>
+                      <p:childTnLst>
+                        <p:par>
+                          <p:cTn id="12" fill="hold">
+                            <p:stCondLst>
+                              <p:cond delay="0"/>
+                            </p:stCondLst>
+                            <p:childTnLst>
+                              <p:par>
+                                <p:cTn id="13" presetID="1" presetClass="entr" presetSubtype="0" fill="hold" nodeType="clickEffect">
+                                  <p:stCondLst>
+                                    <p:cond delay="0"/>
+                                  </p:stCondLst>
+                                  <p:iterate type="lt">
+                                    <p:tmAbs val="50"/>
+                                  </p:iterate>
+                                  <p:childTnLst>
+                                    <p:set>
+                                      <p:cBhvr>
+                                        <p:cTn id="14" dur="1" fill="hold">
+                                          <p:stCondLst>
+                                            <p:cond delay="0"/>
+                                          </p:stCondLst>
+                                        </p:cTn>
+                                        <p:tgtEl>
+                                          <p:spTgt spid="3">
+                                            <p:txEl>
+                                              <p:pRg st="2" end="2"/>
+                                            </p:txEl>
+                                          </p:spTgt>
+                                        </p:tgtEl>
+                                        <p:attrNameLst>
+                                          <p:attrName>style.visibility</p:attrName>
+                                        </p:attrNameLst>
+                                      </p:cBhvr>
+                                      <p:to>
+                                        <p:strVal val="visible"/>
+                                      </p:to>
+                                    </p:set>
+                                  </p:childTnLst>
+                                </p:cTn>
+                              </p:par>
+                            </p:childTnLst>
+                          </p:cTn>
+                        </p:par>
+                      </p:childTnLst>
+                    </p:cTn>
+                  </p:par>
+                  <p:par>
+                    <p:cTn id="15" fill="hold">
+                      <p:stCondLst>
+                        <p:cond delay="indefinite"/>
+                      </p:stCondLst>
+                      <p:childTnLst>
+                        <p:par>
+                          <p:cTn id="16" fill="hold">
+                            <p:stCondLst>
+                              <p:cond delay="0"/>
+                            </p:stCondLst>
+                            <p:childTnLst>
+                              <p:par>
+                                <p:cTn id="17" presetID="1" presetClass="entr" presetSubtype="0" fill="hold" nodeType="clickEffect">
+                                  <p:stCondLst>
+                                    <p:cond delay="0"/>
+                                  </p:stCondLst>
+                                  <p:iterate type="lt">
+                                    <p:tmAbs val="50"/>
+                                  </p:iterate>
+                                  <p:childTnLst>
+                                    <p:set>
+                                      <p:cBhvr>
+                                        <p:cTn id="18" dur="1" fill="hold">
+                                          <p:stCondLst>
+                                            <p:cond delay="0"/>
+                                          </p:stCondLst>
+                                        </p:cTn>
+                                        <p:tgtEl>
+                                          <p:spTgt spid="3">
+                                            <p:txEl>
+                                              <p:pRg st="3" end="3"/>
+                                            </p:txEl>
+                                          </p:spTgt>
+                                        </p:tgtEl>
+                                        <p:attrNameLst>
+                                          <p:attrName>style.visibility</p:attrName>
+                                        </p:attrNameLst>
+                                      </p:cBhvr>
+                                      <p:to>
+                                        <p:strVal val="visible"/>
+                                      </p:to>
+                                    </p:set>
+                                  </p:childTnLst>
+                                </p:cTn>
+                              </p:par>
+                            </p:childTnLst>
+                          </p:cTn>
+                        </p:par>
+                      </p:childTnLst>
+                    </p:cTn>
+                  </p:par>
+                  <p:par>
+                    <p:cTn id="19" fill="hold">
+                      <p:stCondLst>
+                        <p:cond delay="indefinite"/>
+                      </p:stCondLst>
+                      <p:childTnLst>
+                        <p:par>
+                          <p:cTn id="20" fill="hold">
+                            <p:stCondLst>
+                              <p:cond delay="0"/>
+                            </p:stCondLst>
+                            <p:childTnLst>
+                              <p:par>
+                                <p:cTn id="21" presetID="1" presetClass="entr" presetSubtype="0" fill="hold" nodeType="clickEffect">
+                                  <p:stCondLst>
+                                    <p:cond delay="0"/>
+                                  </p:stCondLst>
+                                  <p:iterate type="lt">
+                                    <p:tmAbs val="50"/>
+                                  </p:iterate>
+                                  <p:childTnLst>
+                                    <p:set>
+                                      <p:cBhvr>
+                                        <p:cTn id="22" dur="1" fill="hold">
+                                          <p:stCondLst>
+                                            <p:cond delay="0"/>
+                                          </p:stCondLst>
+                                        </p:cTn>
+                                        <p:tgtEl>
+                                          <p:spTgt spid="3">
+                                            <p:txEl>
+                                              <p:pRg st="4" end="4"/>
+                                            </p:txEl>
+                                          </p:spTgt>
+                                        </p:tgtEl>
+                                        <p:attrNameLst>
+                                          <p:attrName>style.visibility</p:attrName>
+                                        </p:attrNameLst>
+                                      </p:cBhvr>
+                                      <p:to>
+                                        <p:strVal val="visible"/>
+                                      </p:to>
+                                    </p:set>
+                                  </p:childTnLst>
+                                </p:cTn>
+                              </p:par>
+                            </p:childTnLst>
+                          </p:cTn>
+                        </p:par>
+                      </p:childTnLst>
+                    </p:cTn>
+                  </p:par>
+                  <p:par>
+                    <p:cTn id="23" fill="hold">
+                      <p:stCondLst>
+                        <p:cond delay="indefinite"/>
+                      </p:stCondLst>
+                      <p:childTnLst>
+                        <p:par>
+                          <p:cTn id="24" fill="hold">
+                            <p:stCondLst>
+                              <p:cond delay="0"/>
+                            </p:stCondLst>
+                            <p:childTnLst>
+                              <p:par>
+                                <p:cTn id="25" presetID="1" presetClass="entr" presetSubtype="0" fill="hold" nodeType="clickEffect">
+                                  <p:stCondLst>
+                                    <p:cond delay="0"/>
+                                  </p:stCondLst>
+                                  <p:iterate type="lt">
+                                    <p:tmAbs val="50"/>
+                                  </p:iterate>
+                                  <p:childTnLst>
+                                    <p:set>
+                                      <p:cBhvr>
+                                        <p:cTn id="26" dur="1" fill="hold">
+                                          <p:stCondLst>
+                                            <p:cond delay="0"/>
+                                          </p:stCondLst>
+                                        </p:cTn>
+                                        <p:tgtEl>
+                                          <p:spTgt spid="3">
+                                            <p:txEl>
+                                              <p:pRg st="5" end="5"/>
+                                            </p:txEl>
+                                          </p:spTgt>
+                                        </p:tgtEl>
+                                        <p:attrNameLst>
+                                          <p:attrName>style.visibility</p:attrName>
+                                        </p:attrNameLst>
+                                      </p:cBhvr>
+                                      <p:to>
+                                        <p:strVal val="visible"/>
+                                      </p:to>
+                                    </p:set>
+                                  </p:childTnLst>
+                                </p:cTn>
+                              </p:par>
+                            </p:childTnLst>
+                          </p:cTn>
+                        </p:par>
+                      </p:childTnLst>
+                    </p:cTn>
+                  </p:par>
+                  <p:par>
+                    <p:cTn id="27" fill="hold">
+                      <p:stCondLst>
+                        <p:cond delay="indefinite"/>
+                      </p:stCondLst>
+                      <p:childTnLst>
+                        <p:par>
+                          <p:cTn id="28" fill="hold">
+                            <p:stCondLst>
+                              <p:cond delay="0"/>
+                            </p:stCondLst>
+                            <p:childTnLst>
+                              <p:par>
+                                <p:cTn id="29" presetID="1" presetClass="entr" presetSubtype="0" fill="hold" nodeType="clickEffect">
+                                  <p:stCondLst>
+                                    <p:cond delay="0"/>
+                                  </p:stCondLst>
+                                  <p:iterate type="lt">
+                                    <p:tmAbs val="50"/>
+                                  </p:iterate>
+                                  <p:childTnLst>
+                                    <p:set>
+                                      <p:cBhvr>
+                                        <p:cTn id="30" dur="1" fill="hold">
+                                          <p:stCondLst>
+                                            <p:cond delay="0"/>
+                                          </p:stCondLst>
+                                        </p:cTn>
+                                        <p:tgtEl>
+                                          <p:spTgt spid="3">
+                                            <p:txEl>
+                                              <p:pRg st="6" end="6"/>
+                                            </p:txEl>
+                                          </p:spTgt>
+                                        </p:tgtEl>
+                                        <p:attrNameLst>
+                                          <p:attrName>style.visibility</p:attrName>
+                                        </p:attrNameLst>
+                                      </p:cBhvr>
+                                      <p:to>
+                                        <p:strVal val="visible"/>
+                                      </p:to>
+                                    </p:set>
+                                  </p:childTnLst>
+                                </p:cTn>
+                              </p:par>
+                            </p:childTnLst>
+                          </p:cTn>
+                        </p:par>
+                      </p:childTnLst>
+                    </p:cTn>
+                  </p:par>
+                </p:childTnLst>
+              </p:cTn>
+              <p:prevCondLst>
+                <p:cond evt="onPrev" delay="0">
+                  <p:tgtEl>
+                    <p:sldTgt/>
+                  </p:tgtEl>
+                </p:cond>
+              </p:prevCondLst>
+              <p:nextCondLst>
+                <p:cond evt="onNext" delay="0">
+                  <p:tgtEl>
+                    <p:sldTgt/>
+                  </p:tgtEl>
+                </p:cond>
+              </p:nextCondLst>
+            </p:seq>
+          </p:childTnLst>
+        </p:cTn>
+      </p:par>
+    </p:tnLst>
+  </p:timing>
+</p:sld>
+</file>
+
+<file path=ppt/tags/tag1.xml><?xml version="1.0" encoding="utf-8"?>
+<p:tagLst xmlns:a="http://schemas.openxmlformats.org/drawingml/2006/main" xmlns:r="http://schemas.openxmlformats.org/officeDocument/2006/relationships" xmlns:p="http://schemas.openxmlformats.org/presentationml/2006/main">
+  <p:tag name="KSO_WM_UNIT_TABLE_BEAUTIFY" val="smartTable{3d7e2f37-fb3b-4e04-9a5f-35a65a970f14}"/>
+</p:tagLst>
 </file>
 
 <file path=ppt/theme/theme1.xml><?xml version="1.0" encoding="utf-8"?>

--- a/信息学奥赛/信息学奥赛CSP-JS数据结构与算法/12-图论算法/05-单源最短路径/单源最短路径.pptx
+++ b/信息学奥赛/信息学奥赛CSP-JS数据结构与算法/12-图论算法/05-单源最短路径/单源最短路径.pptx
@@ -292,7 +292,7 @@
           <a:p>
             <a:fld id="{6DB8FC75-0739-4932-875F-958490033975}" type="datetimeFigureOut">
               <a:rPr lang="zh-CN" altLang="en-US" smtClean="0"/>
-              <a:t>2023/2/10</a:t>
+              <a:t>2023/2/15</a:t>
             </a:fld>
             <a:endParaRPr lang="zh-CN" altLang="en-US"/>
           </a:p>
@@ -490,7 +490,7 @@
           <a:p>
             <a:fld id="{6DB8FC75-0739-4932-875F-958490033975}" type="datetimeFigureOut">
               <a:rPr lang="zh-CN" altLang="en-US" smtClean="0"/>
-              <a:t>2023/2/10</a:t>
+              <a:t>2023/2/15</a:t>
             </a:fld>
             <a:endParaRPr lang="zh-CN" altLang="en-US"/>
           </a:p>
@@ -698,7 +698,7 @@
           <a:p>
             <a:fld id="{6DB8FC75-0739-4932-875F-958490033975}" type="datetimeFigureOut">
               <a:rPr lang="zh-CN" altLang="en-US" smtClean="0"/>
-              <a:t>2023/2/10</a:t>
+              <a:t>2023/2/15</a:t>
             </a:fld>
             <a:endParaRPr lang="zh-CN" altLang="en-US"/>
           </a:p>
@@ -896,7 +896,7 @@
           <a:p>
             <a:fld id="{6DB8FC75-0739-4932-875F-958490033975}" type="datetimeFigureOut">
               <a:rPr lang="zh-CN" altLang="en-US" smtClean="0"/>
-              <a:t>2023/2/10</a:t>
+              <a:t>2023/2/15</a:t>
             </a:fld>
             <a:endParaRPr lang="zh-CN" altLang="en-US"/>
           </a:p>
@@ -1171,7 +1171,7 @@
           <a:p>
             <a:fld id="{6DB8FC75-0739-4932-875F-958490033975}" type="datetimeFigureOut">
               <a:rPr lang="zh-CN" altLang="en-US" smtClean="0"/>
-              <a:t>2023/2/10</a:t>
+              <a:t>2023/2/15</a:t>
             </a:fld>
             <a:endParaRPr lang="zh-CN" altLang="en-US"/>
           </a:p>
@@ -1436,7 +1436,7 @@
           <a:p>
             <a:fld id="{6DB8FC75-0739-4932-875F-958490033975}" type="datetimeFigureOut">
               <a:rPr lang="zh-CN" altLang="en-US" smtClean="0"/>
-              <a:t>2023/2/10</a:t>
+              <a:t>2023/2/15</a:t>
             </a:fld>
             <a:endParaRPr lang="zh-CN" altLang="en-US"/>
           </a:p>
@@ -1848,7 +1848,7 @@
           <a:p>
             <a:fld id="{6DB8FC75-0739-4932-875F-958490033975}" type="datetimeFigureOut">
               <a:rPr lang="zh-CN" altLang="en-US" smtClean="0"/>
-              <a:t>2023/2/10</a:t>
+              <a:t>2023/2/15</a:t>
             </a:fld>
             <a:endParaRPr lang="zh-CN" altLang="en-US"/>
           </a:p>
@@ -2383,7 +2383,7 @@
           </a:ln>
           <a:extLst>
             <a:ext uri="{C572A759-6A51-4108-AA02-DFA0A04FC94B}">
-              <ma14:wrappingTextBoxFlag xmlns="" xmlns:m="http://schemas.openxmlformats.org/officeDocument/2006/math" xmlns:a14="http://schemas.microsoft.com/office/drawing/2010/main" xmlns:ma14="http://schemas.microsoft.com/office/mac/drawingml/2011/main" val="1"/>
+              <ma14:wrappingTextBoxFlag xmlns:ma14="http://schemas.microsoft.com/office/mac/drawingml/2011/main" xmlns:a14="http://schemas.microsoft.com/office/drawing/2010/main" xmlns:m="http://schemas.openxmlformats.org/officeDocument/2006/math" xmlns="" val="1"/>
             </a:ext>
           </a:extLst>
         </p:spPr>
@@ -2573,7 +2573,7 @@
           </a:ln>
           <a:extLst>
             <a:ext uri="{C572A759-6A51-4108-AA02-DFA0A04FC94B}">
-              <ma14:wrappingTextBoxFlag xmlns:ma14="http://schemas.microsoft.com/office/mac/drawingml/2011/main" xmlns:a14="http://schemas.microsoft.com/office/drawing/2010/main" xmlns:m="http://schemas.openxmlformats.org/officeDocument/2006/math" xmlns="" val="1"/>
+              <ma14:wrappingTextBoxFlag xmlns="" xmlns:m="http://schemas.openxmlformats.org/officeDocument/2006/math" xmlns:a14="http://schemas.microsoft.com/office/drawing/2010/main" xmlns:ma14="http://schemas.microsoft.com/office/mac/drawingml/2011/main" val="1"/>
             </a:ext>
           </a:extLst>
         </p:spPr>
@@ -2952,7 +2952,7 @@
           <a:p>
             <a:fld id="{6DB8FC75-0739-4932-875F-958490033975}" type="datetimeFigureOut">
               <a:rPr lang="zh-CN" altLang="en-US" smtClean="0"/>
-              <a:t>2023/2/10</a:t>
+              <a:t>2023/2/15</a:t>
             </a:fld>
             <a:endParaRPr lang="zh-CN" altLang="en-US"/>
           </a:p>
@@ -3240,7 +3240,7 @@
           <a:p>
             <a:fld id="{6DB8FC75-0739-4932-875F-958490033975}" type="datetimeFigureOut">
               <a:rPr lang="zh-CN" altLang="en-US" smtClean="0"/>
-              <a:t>2023/2/10</a:t>
+              <a:t>2023/2/15</a:t>
             </a:fld>
             <a:endParaRPr lang="zh-CN" altLang="en-US"/>
           </a:p>
@@ -3481,7 +3481,7 @@
           <a:p>
             <a:fld id="{6DB8FC75-0739-4932-875F-958490033975}" type="datetimeFigureOut">
               <a:rPr lang="zh-CN" altLang="en-US" smtClean="0"/>
-              <a:t>2023/2/10</a:t>
+              <a:t>2023/2/15</a:t>
             </a:fld>
             <a:endParaRPr lang="zh-CN" altLang="en-US"/>
           </a:p>
@@ -4583,7 +4583,23 @@
           <a:p>
             <a:r>
               <a:rPr lang="zh-CN" altLang="en-US" sz="3600"/>
-              <a:t>2. 从U中选出"距离最短的顶点k"，并将顶点k加入到S中；同时，从U中移除顶点k。</a:t>
+              <a:t>2. 从U中选出"距离最短的顶点</a:t>
+            </a:r>
+            <a:r>
+              <a:rPr lang="en-US" altLang="zh-CN" sz="3600"/>
+              <a:t>u</a:t>
+            </a:r>
+            <a:r>
+              <a:rPr lang="zh-CN" altLang="en-US" sz="3600"/>
+              <a:t>"，并将顶点k加入到S中；同时，从U中移除顶点</a:t>
+            </a:r>
+            <a:r>
+              <a:rPr lang="en-US" altLang="zh-CN" sz="3600"/>
+              <a:t>u</a:t>
+            </a:r>
+            <a:r>
+              <a:rPr lang="zh-CN" altLang="en-US" sz="3600"/>
+              <a:t>。</a:t>
             </a:r>
           </a:p>
           <a:p>
@@ -7269,7 +7285,7 @@
                   <a:schemeClr val="tx1"/>
                 </a:solidFill>
               </a:rPr>
-              <a:t>13</a:t>
+              <a:t>17</a:t>
             </a:r>
             <a:endParaRPr lang="zh-CN" altLang="en-US" sz="2800">
               <a:solidFill>
